--- a/defense/zemax_simulation.pptx
+++ b/defense/zemax_simulation.pptx
@@ -218,7 +218,7 @@
           <a:p>
             <a:fld id="{72DB285B-A16E-49FA-9002-143B084C6C9A}" type="datetimeFigureOut">
               <a:rPr lang="en-US" smtClean="0"/>
-              <a:t>11/19/2016</a:t>
+              <a:t>11/21/2016</a:t>
             </a:fld>
             <a:endParaRPr lang="en-US"/>
           </a:p>
@@ -976,7 +976,7 @@
           <a:p>
             <a:fld id="{9D9501FF-ABFD-4A20-9D6D-E502A59752B5}" type="datetimeFigureOut">
               <a:rPr lang="en-US" smtClean="0"/>
-              <a:t>11/19/2016</a:t>
+              <a:t>11/21/2016</a:t>
             </a:fld>
             <a:endParaRPr lang="en-US"/>
           </a:p>
@@ -1144,7 +1144,7 @@
           <a:p>
             <a:fld id="{9D9501FF-ABFD-4A20-9D6D-E502A59752B5}" type="datetimeFigureOut">
               <a:rPr lang="en-US" smtClean="0"/>
-              <a:t>11/19/2016</a:t>
+              <a:t>11/21/2016</a:t>
             </a:fld>
             <a:endParaRPr lang="en-US"/>
           </a:p>
@@ -1322,7 +1322,7 @@
           <a:p>
             <a:fld id="{9D9501FF-ABFD-4A20-9D6D-E502A59752B5}" type="datetimeFigureOut">
               <a:rPr lang="en-US" smtClean="0"/>
-              <a:t>11/19/2016</a:t>
+              <a:t>11/21/2016</a:t>
             </a:fld>
             <a:endParaRPr lang="en-US"/>
           </a:p>
@@ -1490,7 +1490,7 @@
           <a:p>
             <a:fld id="{9D9501FF-ABFD-4A20-9D6D-E502A59752B5}" type="datetimeFigureOut">
               <a:rPr lang="en-US" smtClean="0"/>
-              <a:t>11/19/2016</a:t>
+              <a:t>11/21/2016</a:t>
             </a:fld>
             <a:endParaRPr lang="en-US"/>
           </a:p>
@@ -1735,7 +1735,7 @@
           <a:p>
             <a:fld id="{9D9501FF-ABFD-4A20-9D6D-E502A59752B5}" type="datetimeFigureOut">
               <a:rPr lang="en-US" smtClean="0"/>
-              <a:t>11/19/2016</a:t>
+              <a:t>11/21/2016</a:t>
             </a:fld>
             <a:endParaRPr lang="en-US"/>
           </a:p>
@@ -1964,7 +1964,7 @@
           <a:p>
             <a:fld id="{9D9501FF-ABFD-4A20-9D6D-E502A59752B5}" type="datetimeFigureOut">
               <a:rPr lang="en-US" smtClean="0"/>
-              <a:t>11/19/2016</a:t>
+              <a:t>11/21/2016</a:t>
             </a:fld>
             <a:endParaRPr lang="en-US"/>
           </a:p>
@@ -2328,7 +2328,7 @@
           <a:p>
             <a:fld id="{9D9501FF-ABFD-4A20-9D6D-E502A59752B5}" type="datetimeFigureOut">
               <a:rPr lang="en-US" smtClean="0"/>
-              <a:t>11/19/2016</a:t>
+              <a:t>11/21/2016</a:t>
             </a:fld>
             <a:endParaRPr lang="en-US"/>
           </a:p>
@@ -2445,7 +2445,7 @@
           <a:p>
             <a:fld id="{9D9501FF-ABFD-4A20-9D6D-E502A59752B5}" type="datetimeFigureOut">
               <a:rPr lang="en-US" smtClean="0"/>
-              <a:t>11/19/2016</a:t>
+              <a:t>11/21/2016</a:t>
             </a:fld>
             <a:endParaRPr lang="en-US"/>
           </a:p>
@@ -2540,7 +2540,7 @@
           <a:p>
             <a:fld id="{9D9501FF-ABFD-4A20-9D6D-E502A59752B5}" type="datetimeFigureOut">
               <a:rPr lang="en-US" smtClean="0"/>
-              <a:t>11/19/2016</a:t>
+              <a:t>11/21/2016</a:t>
             </a:fld>
             <a:endParaRPr lang="en-US"/>
           </a:p>
@@ -2815,7 +2815,7 @@
           <a:p>
             <a:fld id="{9D9501FF-ABFD-4A20-9D6D-E502A59752B5}" type="datetimeFigureOut">
               <a:rPr lang="en-US" smtClean="0"/>
-              <a:t>11/19/2016</a:t>
+              <a:t>11/21/2016</a:t>
             </a:fld>
             <a:endParaRPr lang="en-US"/>
           </a:p>
@@ -3070,7 +3070,7 @@
           <a:p>
             <a:fld id="{9D9501FF-ABFD-4A20-9D6D-E502A59752B5}" type="datetimeFigureOut">
               <a:rPr lang="en-US" smtClean="0"/>
-              <a:t>11/19/2016</a:t>
+              <a:t>11/21/2016</a:t>
             </a:fld>
             <a:endParaRPr lang="en-US"/>
           </a:p>
@@ -3281,7 +3281,7 @@
           <a:p>
             <a:fld id="{9D9501FF-ABFD-4A20-9D6D-E502A59752B5}" type="datetimeFigureOut">
               <a:rPr lang="en-US" smtClean="0"/>
-              <a:t>11/19/2016</a:t>
+              <a:t>11/21/2016</a:t>
             </a:fld>
             <a:endParaRPr lang="en-US"/>
           </a:p>
@@ -4640,8 +4640,8 @@
           </a:p>
         </p:txBody>
       </p:sp>
-      <mc:AlternateContent xmlns:mc="http://schemas.openxmlformats.org/markup-compatibility/2006">
-        <mc:Choice xmlns:a14="http://schemas.microsoft.com/office/drawing/2010/main" Requires="a14">
+      <mc:AlternateContent xmlns:mc="http://schemas.openxmlformats.org/markup-compatibility/2006" xmlns:a14="http://schemas.microsoft.com/office/drawing/2010/main">
+        <mc:Choice Requires="a14">
           <p:sp>
             <p:nvSpPr>
               <p:cNvPr id="21" name="TextBox 20" hidden="1"/>
@@ -4701,7 +4701,7 @@
             </p:txBody>
           </p:sp>
         </mc:Choice>
-        <mc:Fallback>
+        <mc:Fallback xmlns="">
           <p:sp>
             <p:nvSpPr>
               <p:cNvPr id="21" name="TextBox 20" hidden="1"/>
@@ -4840,8 +4840,8 @@
           </a:p>
         </p:txBody>
       </p:sp>
-      <mc:AlternateContent xmlns:mc="http://schemas.openxmlformats.org/markup-compatibility/2006">
-        <mc:Choice xmlns:a14="http://schemas.microsoft.com/office/drawing/2010/main" Requires="a14">
+      <mc:AlternateContent xmlns:mc="http://schemas.openxmlformats.org/markup-compatibility/2006" xmlns:a14="http://schemas.microsoft.com/office/drawing/2010/main">
+        <mc:Choice Requires="a14">
           <p:sp>
             <p:nvSpPr>
               <p:cNvPr id="24" name="TextBox 23" hidden="1"/>
@@ -4920,7 +4920,7 @@
             </p:txBody>
           </p:sp>
         </mc:Choice>
-        <mc:Fallback>
+        <mc:Fallback xmlns="">
           <p:sp>
             <p:nvSpPr>
               <p:cNvPr id="24" name="TextBox 23" hidden="1"/>
@@ -4959,8 +4959,8 @@
           </p:sp>
         </mc:Fallback>
       </mc:AlternateContent>
-      <mc:AlternateContent xmlns:mc="http://schemas.openxmlformats.org/markup-compatibility/2006">
-        <mc:Choice xmlns:a14="http://schemas.microsoft.com/office/drawing/2010/main" Requires="a14">
+      <mc:AlternateContent xmlns:mc="http://schemas.openxmlformats.org/markup-compatibility/2006" xmlns:a14="http://schemas.microsoft.com/office/drawing/2010/main">
+        <mc:Choice Requires="a14">
           <p:sp>
             <p:nvSpPr>
               <p:cNvPr id="25" name="TextBox 24" hidden="1"/>
@@ -5020,7 +5020,7 @@
             </p:txBody>
           </p:sp>
         </mc:Choice>
-        <mc:Fallback>
+        <mc:Fallback xmlns="">
           <p:sp>
             <p:nvSpPr>
               <p:cNvPr id="25" name="TextBox 24" hidden="1"/>
@@ -7819,13 +7819,8 @@
           <a:p>
             <a:r>
               <a:rPr lang="en-US"/>
-              <a:t>C</a:t>
+              <a:t>C:\GIT_REPOSITORIES\phd-artifacts\chapters\chapter05_extending_imaging_volume\images\focus_stacking_schematic.ppt</a:t>
             </a:r>
-            <a:r>
-              <a:rPr lang="en-US"/>
-              <a:t>:\GIT_REPOSITORIES\phd-artifacts\chapters\chapter05_extending_imaging_volume\images\focus_stacking_schematic.ppt</a:t>
-            </a:r>
-            <a:endParaRPr lang="en-US"/>
           </a:p>
         </p:txBody>
       </p:sp>
@@ -9786,8 +9781,8 @@
         </p:nvSpPr>
         <p:spPr>
           <a:xfrm>
-            <a:off x="7694717" y="6551547"/>
-            <a:ext cx="4512004" cy="307777"/>
+            <a:off x="8047142" y="6551547"/>
+            <a:ext cx="4157741" cy="307777"/>
           </a:xfrm>
           <a:prstGeom prst="rect">
             <a:avLst/>
@@ -9811,7 +9806,20 @@
                 <a:latin typeface="Times New Roman" panose="02020603050405020304" pitchFamily="18" charset="0"/>
                 <a:cs typeface="Times New Roman" panose="02020603050405020304" pitchFamily="18" charset="0"/>
               </a:rPr>
-              <a:t>[Ref: Merklinger, H. M. (1996). Focusing the view camera.]</a:t>
+              <a:t>[</a:t>
+            </a:r>
+            <a:r>
+              <a:rPr lang="en-US" sz="1400">
+                <a:solidFill>
+                  <a:schemeClr val="tx1">
+                    <a:lumMod val="75000"/>
+                    <a:lumOff val="25000"/>
+                  </a:schemeClr>
+                </a:solidFill>
+                <a:latin typeface="Times New Roman" panose="02020603050405020304" pitchFamily="18" charset="0"/>
+                <a:cs typeface="Times New Roman" panose="02020603050405020304" pitchFamily="18" charset="0"/>
+              </a:rPr>
+              <a:t>Merklinger, H. M. (1996). Focusing the view camera.]</a:t>
             </a:r>
           </a:p>
         </p:txBody>

--- a/defense/zemax_simulation.pptx
+++ b/defense/zemax_simulation.pptx
@@ -5,14 +5,16 @@
     <p:sldMasterId id="2147483648" r:id="rId1"/>
   </p:sldMasterIdLst>
   <p:notesMasterIdLst>
-    <p:notesMasterId r:id="rId7"/>
+    <p:notesMasterId r:id="rId9"/>
   </p:notesMasterIdLst>
   <p:sldIdLst>
     <p:sldId id="256" r:id="rId2"/>
     <p:sldId id="258" r:id="rId3"/>
     <p:sldId id="260" r:id="rId4"/>
-    <p:sldId id="261" r:id="rId5"/>
-    <p:sldId id="259" r:id="rId6"/>
+    <p:sldId id="262" r:id="rId5"/>
+    <p:sldId id="263" r:id="rId6"/>
+    <p:sldId id="261" r:id="rId7"/>
+    <p:sldId id="259" r:id="rId8"/>
   </p:sldIdLst>
   <p:sldSz cx="12192000" cy="6858000"/>
   <p:notesSz cx="6858000" cy="9144000"/>
@@ -119,6 +121,8 @@
             <p14:sldId id="256"/>
             <p14:sldId id="258"/>
             <p14:sldId id="260"/>
+            <p14:sldId id="262"/>
+            <p14:sldId id="263"/>
             <p14:sldId id="261"/>
           </p14:sldIdLst>
         </p14:section>
@@ -218,7 +222,7 @@
           <a:p>
             <a:fld id="{72DB285B-A16E-49FA-9002-143B084C6C9A}" type="datetimeFigureOut">
               <a:rPr lang="en-US" smtClean="0"/>
-              <a:t>11/21/2016</a:t>
+              <a:t>11/24/2016</a:t>
             </a:fld>
             <a:endParaRPr lang="en-US"/>
           </a:p>
@@ -828,7 +832,7 @@
           <a:p>
             <a:fld id="{AB9A1F3D-E2EA-469D-B848-F43A89D92538}" type="slidenum">
               <a:rPr lang="en-US" smtClean="0"/>
-              <a:t>5</a:t>
+              <a:t>7</a:t>
             </a:fld>
             <a:endParaRPr lang="en-US"/>
           </a:p>
@@ -976,7 +980,7 @@
           <a:p>
             <a:fld id="{9D9501FF-ABFD-4A20-9D6D-E502A59752B5}" type="datetimeFigureOut">
               <a:rPr lang="en-US" smtClean="0"/>
-              <a:t>11/21/2016</a:t>
+              <a:t>11/24/2016</a:t>
             </a:fld>
             <a:endParaRPr lang="en-US"/>
           </a:p>
@@ -1144,7 +1148,7 @@
           <a:p>
             <a:fld id="{9D9501FF-ABFD-4A20-9D6D-E502A59752B5}" type="datetimeFigureOut">
               <a:rPr lang="en-US" smtClean="0"/>
-              <a:t>11/21/2016</a:t>
+              <a:t>11/24/2016</a:t>
             </a:fld>
             <a:endParaRPr lang="en-US"/>
           </a:p>
@@ -1322,7 +1326,7 @@
           <a:p>
             <a:fld id="{9D9501FF-ABFD-4A20-9D6D-E502A59752B5}" type="datetimeFigureOut">
               <a:rPr lang="en-US" smtClean="0"/>
-              <a:t>11/21/2016</a:t>
+              <a:t>11/24/2016</a:t>
             </a:fld>
             <a:endParaRPr lang="en-US"/>
           </a:p>
@@ -1490,7 +1494,7 @@
           <a:p>
             <a:fld id="{9D9501FF-ABFD-4A20-9D6D-E502A59752B5}" type="datetimeFigureOut">
               <a:rPr lang="en-US" smtClean="0"/>
-              <a:t>11/21/2016</a:t>
+              <a:t>11/24/2016</a:t>
             </a:fld>
             <a:endParaRPr lang="en-US"/>
           </a:p>
@@ -1735,7 +1739,7 @@
           <a:p>
             <a:fld id="{9D9501FF-ABFD-4A20-9D6D-E502A59752B5}" type="datetimeFigureOut">
               <a:rPr lang="en-US" smtClean="0"/>
-              <a:t>11/21/2016</a:t>
+              <a:t>11/24/2016</a:t>
             </a:fld>
             <a:endParaRPr lang="en-US"/>
           </a:p>
@@ -1964,7 +1968,7 @@
           <a:p>
             <a:fld id="{9D9501FF-ABFD-4A20-9D6D-E502A59752B5}" type="datetimeFigureOut">
               <a:rPr lang="en-US" smtClean="0"/>
-              <a:t>11/21/2016</a:t>
+              <a:t>11/24/2016</a:t>
             </a:fld>
             <a:endParaRPr lang="en-US"/>
           </a:p>
@@ -2328,7 +2332,7 @@
           <a:p>
             <a:fld id="{9D9501FF-ABFD-4A20-9D6D-E502A59752B5}" type="datetimeFigureOut">
               <a:rPr lang="en-US" smtClean="0"/>
-              <a:t>11/21/2016</a:t>
+              <a:t>11/24/2016</a:t>
             </a:fld>
             <a:endParaRPr lang="en-US"/>
           </a:p>
@@ -2445,7 +2449,7 @@
           <a:p>
             <a:fld id="{9D9501FF-ABFD-4A20-9D6D-E502A59752B5}" type="datetimeFigureOut">
               <a:rPr lang="en-US" smtClean="0"/>
-              <a:t>11/21/2016</a:t>
+              <a:t>11/24/2016</a:t>
             </a:fld>
             <a:endParaRPr lang="en-US"/>
           </a:p>
@@ -2540,7 +2544,7 @@
           <a:p>
             <a:fld id="{9D9501FF-ABFD-4A20-9D6D-E502A59752B5}" type="datetimeFigureOut">
               <a:rPr lang="en-US" smtClean="0"/>
-              <a:t>11/21/2016</a:t>
+              <a:t>11/24/2016</a:t>
             </a:fld>
             <a:endParaRPr lang="en-US"/>
           </a:p>
@@ -2815,7 +2819,7 @@
           <a:p>
             <a:fld id="{9D9501FF-ABFD-4A20-9D6D-E502A59752B5}" type="datetimeFigureOut">
               <a:rPr lang="en-US" smtClean="0"/>
-              <a:t>11/21/2016</a:t>
+              <a:t>11/24/2016</a:t>
             </a:fld>
             <a:endParaRPr lang="en-US"/>
           </a:p>
@@ -3070,7 +3074,7 @@
           <a:p>
             <a:fld id="{9D9501FF-ABFD-4A20-9D6D-E502A59752B5}" type="datetimeFigureOut">
               <a:rPr lang="en-US" smtClean="0"/>
-              <a:t>11/21/2016</a:t>
+              <a:t>11/24/2016</a:t>
             </a:fld>
             <a:endParaRPr lang="en-US"/>
           </a:p>
@@ -3281,7 +3285,7 @@
           <a:p>
             <a:fld id="{9D9501FF-ABFD-4A20-9D6D-E502A59752B5}" type="datetimeFigureOut">
               <a:rPr lang="en-US" smtClean="0"/>
-              <a:t>11/21/2016</a:t>
+              <a:t>11/24/2016</a:t>
             </a:fld>
             <a:endParaRPr lang="en-US"/>
           </a:p>
@@ -4143,8 +4147,8 @@
         </p:nvSpPr>
         <p:spPr>
           <a:xfrm>
-            <a:off x="2400852" y="1843581"/>
-            <a:ext cx="914400" cy="3922776"/>
+            <a:off x="2524677" y="1843581"/>
+            <a:ext cx="795528" cy="3922776"/>
           </a:xfrm>
           <a:prstGeom prst="rect">
             <a:avLst/>
@@ -5107,7 +5111,7 @@
         </p:nvCxnSpPr>
         <p:spPr>
           <a:xfrm>
-            <a:off x="2393976" y="1849116"/>
+            <a:off x="2517801" y="1849116"/>
             <a:ext cx="0" cy="3904488"/>
           </a:xfrm>
           <a:prstGeom prst="line">
@@ -5147,8 +5151,8 @@
         </p:nvGrpSpPr>
         <p:grpSpPr>
           <a:xfrm>
-            <a:off x="2391327" y="5439367"/>
-            <a:ext cx="935400" cy="175037"/>
+            <a:off x="2515152" y="5439367"/>
+            <a:ext cx="804672" cy="175037"/>
             <a:chOff x="2105577" y="5096467"/>
             <a:chExt cx="935400" cy="175037"/>
           </a:xfrm>
@@ -7795,6 +7799,2498 @@
           <a:chExt cx="0" cy="0"/>
         </a:xfrm>
       </p:grpSpPr>
+      <p:grpSp>
+        <p:nvGrpSpPr>
+          <p:cNvPr id="2" name="Group 1"/>
+          <p:cNvGrpSpPr/>
+          <p:nvPr/>
+        </p:nvGrpSpPr>
+        <p:grpSpPr>
+          <a:xfrm>
+            <a:off x="1701738" y="1465297"/>
+            <a:ext cx="8790338" cy="4422195"/>
+            <a:chOff x="1701738" y="1465297"/>
+            <a:chExt cx="8790338" cy="4422195"/>
+          </a:xfrm>
+        </p:grpSpPr>
+        <p:sp>
+          <p:nvSpPr>
+            <p:cNvPr id="3" name="Arc 2"/>
+            <p:cNvSpPr/>
+            <p:nvPr/>
+          </p:nvSpPr>
+          <p:spPr>
+            <a:xfrm>
+              <a:off x="3112193" y="4574900"/>
+              <a:ext cx="1670893" cy="1312592"/>
+            </a:xfrm>
+            <a:prstGeom prst="arc">
+              <a:avLst>
+                <a:gd name="adj1" fmla="val 11152870"/>
+                <a:gd name="adj2" fmla="val 15800332"/>
+              </a:avLst>
+            </a:prstGeom>
+            <a:ln w="9525">
+              <a:solidFill>
+                <a:schemeClr val="tx1">
+                  <a:lumMod val="65000"/>
+                  <a:lumOff val="35000"/>
+                </a:schemeClr>
+              </a:solidFill>
+              <a:headEnd type="triangle" w="sm" len="med"/>
+              <a:tailEnd type="none"/>
+            </a:ln>
+          </p:spPr>
+          <p:style>
+            <a:lnRef idx="1">
+              <a:schemeClr val="accent1"/>
+            </a:lnRef>
+            <a:fillRef idx="0">
+              <a:schemeClr val="accent1"/>
+            </a:fillRef>
+            <a:effectRef idx="0">
+              <a:schemeClr val="accent1"/>
+            </a:effectRef>
+            <a:fontRef idx="minor">
+              <a:schemeClr val="tx1"/>
+            </a:fontRef>
+          </p:style>
+          <p:txBody>
+            <a:bodyPr rtlCol="0" anchor="ctr"/>
+            <a:lstStyle/>
+            <a:p>
+              <a:pPr algn="ctr"/>
+              <a:endParaRPr lang="en-US"/>
+            </a:p>
+          </p:txBody>
+        </p:sp>
+        <p:cxnSp>
+          <p:nvCxnSpPr>
+            <p:cNvPr id="4" name="Straight Connector 3"/>
+            <p:cNvCxnSpPr/>
+            <p:nvPr/>
+          </p:nvCxnSpPr>
+          <p:spPr>
+            <a:xfrm>
+              <a:off x="1726057" y="2741962"/>
+              <a:ext cx="8686800" cy="0"/>
+            </a:xfrm>
+            <a:prstGeom prst="line">
+              <a:avLst/>
+            </a:prstGeom>
+            <a:ln w="15875">
+              <a:solidFill>
+                <a:srgbClr val="F5504E"/>
+              </a:solidFill>
+              <a:prstDash val="dash"/>
+            </a:ln>
+          </p:spPr>
+          <p:style>
+            <a:lnRef idx="1">
+              <a:schemeClr val="accent1"/>
+            </a:lnRef>
+            <a:fillRef idx="0">
+              <a:schemeClr val="accent1"/>
+            </a:fillRef>
+            <a:effectRef idx="0">
+              <a:schemeClr val="accent1"/>
+            </a:effectRef>
+            <a:fontRef idx="minor">
+              <a:schemeClr val="tx1"/>
+            </a:fontRef>
+          </p:style>
+        </p:cxnSp>
+        <p:pic>
+          <p:nvPicPr>
+            <p:cNvPr id="5" name="lens"/>
+            <p:cNvPicPr>
+              <a:picLocks noChangeAspect="1"/>
+            </p:cNvPicPr>
+            <p:nvPr/>
+          </p:nvPicPr>
+          <p:blipFill>
+            <a:blip r:embed="rId2" cstate="print">
+              <a:extLst>
+                <a:ext uri="{28A0092B-C50C-407E-A947-70E740481C1C}">
+                  <a14:useLocalDpi xmlns:a14="http://schemas.microsoft.com/office/drawing/2010/main" val="0"/>
+                </a:ext>
+              </a:extLst>
+            </a:blip>
+            <a:stretch>
+              <a:fillRect/>
+            </a:stretch>
+          </p:blipFill>
+          <p:spPr>
+            <a:xfrm>
+              <a:off x="9315871" y="2423197"/>
+              <a:ext cx="860146" cy="621792"/>
+            </a:xfrm>
+            <a:prstGeom prst="rect">
+              <a:avLst/>
+            </a:prstGeom>
+            <a:effectLst>
+              <a:outerShdw blurRad="50800" dist="38100" dir="5400000" algn="ctr" rotWithShape="0">
+                <a:srgbClr val="000000">
+                  <a:alpha val="95000"/>
+                </a:srgbClr>
+              </a:outerShdw>
+            </a:effectLst>
+          </p:spPr>
+        </p:pic>
+        <p:grpSp>
+          <p:nvGrpSpPr>
+            <p:cNvPr id="6" name="Group 5"/>
+            <p:cNvGrpSpPr/>
+            <p:nvPr/>
+          </p:nvGrpSpPr>
+          <p:grpSpPr>
+            <a:xfrm>
+              <a:off x="1701738" y="2222286"/>
+              <a:ext cx="2409486" cy="2143757"/>
+              <a:chOff x="1453214" y="4842570"/>
+              <a:chExt cx="1460030" cy="1299012"/>
+            </a:xfrm>
+            <a:effectLst>
+              <a:outerShdw blurRad="50800" dist="38100" dir="2700000" algn="tl" rotWithShape="0">
+                <a:prstClr val="black">
+                  <a:alpha val="40000"/>
+                </a:prstClr>
+              </a:outerShdw>
+            </a:effectLst>
+          </p:grpSpPr>
+          <p:pic>
+            <p:nvPicPr>
+              <p:cNvPr id="24" name="Picture 23"/>
+              <p:cNvPicPr>
+                <a:picLocks noChangeAspect="1"/>
+              </p:cNvPicPr>
+              <p:nvPr/>
+            </p:nvPicPr>
+            <p:blipFill>
+              <a:blip r:embed="rId3" cstate="print">
+                <a:extLst>
+                  <a:ext uri="{BEBA8EAE-BF5A-486C-A8C5-ECC9F3942E4B}">
+                    <a14:imgProps xmlns:a14="http://schemas.microsoft.com/office/drawing/2010/main">
+                      <a14:imgLayer r:embed="rId4">
+                        <a14:imgEffect>
+                          <a14:backgroundRemoval t="0" b="98499" l="6015" r="96241">
+                            <a14:foregroundMark x1="43985" y1="5658" x2="49624" y2="13857"/>
+                            <a14:foregroundMark x1="47368" y1="16975" x2="49624" y2="30023"/>
+                            <a14:foregroundMark x1="60526" y1="24134" x2="53759" y2="37182"/>
+                            <a14:foregroundMark x1="20301" y1="35797" x2="16917" y2="48152"/>
+                            <a14:foregroundMark x1="59398" y1="43995" x2="68421" y2="76674"/>
+                            <a14:foregroundMark x1="14662" y1="51617" x2="15789" y2="56005"/>
+                            <a14:foregroundMark x1="41729" y1="51963" x2="38346" y2="75982"/>
+                            <a14:foregroundMark x1="34962" y1="94804" x2="46241" y2="90993"/>
+                            <a14:foregroundMark x1="69549" y1="95843" x2="77444" y2="93418"/>
+                            <a14:foregroundMark x1="72932" y1="19400" x2="83083" y2="31640"/>
+                            <a14:foregroundMark x1="81955" y1="31986" x2="84211" y2="37875"/>
+                            <a14:foregroundMark x1="74060" y1="20323" x2="79699" y2="21016"/>
+                            <a14:foregroundMark x1="83459" y1="51501" x2="82707" y2="54388"/>
+                            <a14:foregroundMark x1="79699" y1="55081" x2="76692" y2="56351"/>
+                            <a14:foregroundMark x1="91729" y1="36721" x2="91729" y2="40531"/>
+                            <a14:foregroundMark x1="22932" y1="53349" x2="22180" y2="54965"/>
+                            <a14:foregroundMark x1="82331" y1="21709" x2="81955" y2="22171"/>
+                            <a14:foregroundMark x1="42105" y1="17321" x2="39098" y2="18014"/>
+                            <a14:foregroundMark x1="16541" y1="36143" x2="16541" y2="37644"/>
+                            <a14:backgroundMark x1="36090" y1="34296" x2="36090" y2="34296"/>
+                            <a14:backgroundMark x1="74060" y1="37529" x2="74060" y2="37529"/>
+                            <a14:backgroundMark x1="70301" y1="33372" x2="70301" y2="33372"/>
+                            <a14:backgroundMark x1="74060" y1="39607" x2="74060" y2="39607"/>
+                            <a14:backgroundMark x1="74436" y1="41801" x2="74436" y2="41801"/>
+                            <a14:backgroundMark x1="74436" y1="42610" x2="74436" y2="42610"/>
+                            <a14:backgroundMark x1="76336" y1="44162" x2="76336" y2="44162"/>
+                            <a14:backgroundMark x1="76336" y1="45431" x2="76336" y2="45431"/>
+                            <a14:backgroundMark x1="26718" y1="48731" x2="26718" y2="48731"/>
+                            <a14:backgroundMark x1="26718" y1="54061" x2="26718" y2="54061"/>
+                            <a14:backgroundMark x1="74046" y1="57360" x2="74046" y2="57360"/>
+                            <a14:backgroundMark x1="71756" y1="30203" x2="71756" y2="30203"/>
+                            <a14:backgroundMark x1="74046" y1="52792" x2="74046" y2="52792"/>
+                            <a14:backgroundMark x1="73282" y1="54061" x2="73282" y2="54061"/>
+                            <a14:backgroundMark x1="74046" y1="55584" x2="74046" y2="55584"/>
+                          </a14:backgroundRemoval>
+                        </a14:imgEffect>
+                      </a14:imgLayer>
+                    </a14:imgProps>
+                  </a:ext>
+                  <a:ext uri="{28A0092B-C50C-407E-A947-70E740481C1C}">
+                    <a14:useLocalDpi xmlns:a14="http://schemas.microsoft.com/office/drawing/2010/main" val="0"/>
+                  </a:ext>
+                </a:extLst>
+              </a:blip>
+              <a:stretch>
+                <a:fillRect/>
+              </a:stretch>
+            </p:blipFill>
+            <p:spPr>
+              <a:xfrm flipH="1">
+                <a:off x="1453214" y="4842570"/>
+                <a:ext cx="434112" cy="1299012"/>
+              </a:xfrm>
+              <a:prstGeom prst="rect">
+                <a:avLst/>
+              </a:prstGeom>
+            </p:spPr>
+          </p:pic>
+          <p:pic>
+            <p:nvPicPr>
+              <p:cNvPr id="25" name="Picture 24"/>
+              <p:cNvPicPr>
+                <a:picLocks noChangeAspect="1"/>
+              </p:cNvPicPr>
+              <p:nvPr/>
+            </p:nvPicPr>
+            <p:blipFill>
+              <a:blip r:embed="rId3" cstate="print">
+                <a:extLst>
+                  <a:ext uri="{BEBA8EAE-BF5A-486C-A8C5-ECC9F3942E4B}">
+                    <a14:imgProps xmlns:a14="http://schemas.microsoft.com/office/drawing/2010/main">
+                      <a14:imgLayer r:embed="rId4">
+                        <a14:imgEffect>
+                          <a14:backgroundRemoval t="0" b="98499" l="6015" r="96241">
+                            <a14:foregroundMark x1="43985" y1="5658" x2="49624" y2="13857"/>
+                            <a14:foregroundMark x1="47368" y1="16975" x2="49624" y2="30023"/>
+                            <a14:foregroundMark x1="60526" y1="24134" x2="53759" y2="37182"/>
+                            <a14:foregroundMark x1="20301" y1="35797" x2="16917" y2="48152"/>
+                            <a14:foregroundMark x1="59398" y1="43995" x2="68421" y2="76674"/>
+                            <a14:foregroundMark x1="14662" y1="51617" x2="15789" y2="56005"/>
+                            <a14:foregroundMark x1="41729" y1="51963" x2="38346" y2="75982"/>
+                            <a14:foregroundMark x1="34962" y1="94804" x2="46241" y2="90993"/>
+                            <a14:foregroundMark x1="69549" y1="95843" x2="77444" y2="93418"/>
+                            <a14:foregroundMark x1="72932" y1="19400" x2="83083" y2="31640"/>
+                            <a14:foregroundMark x1="81955" y1="31986" x2="84211" y2="37875"/>
+                            <a14:foregroundMark x1="74060" y1="20323" x2="79699" y2="21016"/>
+                            <a14:foregroundMark x1="83459" y1="51501" x2="82707" y2="54388"/>
+                            <a14:foregroundMark x1="79699" y1="55081" x2="76692" y2="56351"/>
+                            <a14:foregroundMark x1="91729" y1="36721" x2="91729" y2="40531"/>
+                            <a14:foregroundMark x1="22932" y1="53349" x2="22180" y2="54965"/>
+                            <a14:foregroundMark x1="82331" y1="21709" x2="81955" y2="22171"/>
+                            <a14:foregroundMark x1="42105" y1="17321" x2="39098" y2="18014"/>
+                            <a14:foregroundMark x1="16541" y1="36143" x2="16541" y2="37644"/>
+                            <a14:backgroundMark x1="36090" y1="34296" x2="36090" y2="34296"/>
+                            <a14:backgroundMark x1="74060" y1="37529" x2="74060" y2="37529"/>
+                            <a14:backgroundMark x1="70301" y1="33372" x2="70301" y2="33372"/>
+                            <a14:backgroundMark x1="74060" y1="39607" x2="74060" y2="39607"/>
+                            <a14:backgroundMark x1="74436" y1="41801" x2="74436" y2="41801"/>
+                            <a14:backgroundMark x1="74436" y1="42610" x2="74436" y2="42610"/>
+                            <a14:backgroundMark x1="76336" y1="44162" x2="76336" y2="44162"/>
+                            <a14:backgroundMark x1="76336" y1="45431" x2="76336" y2="45431"/>
+                            <a14:backgroundMark x1="26718" y1="48731" x2="26718" y2="48731"/>
+                            <a14:backgroundMark x1="26718" y1="54061" x2="26718" y2="54061"/>
+                            <a14:backgroundMark x1="74046" y1="57360" x2="74046" y2="57360"/>
+                            <a14:backgroundMark x1="71756" y1="30203" x2="71756" y2="30203"/>
+                            <a14:backgroundMark x1="74046" y1="52792" x2="74046" y2="52792"/>
+                            <a14:backgroundMark x1="73282" y1="54061" x2="73282" y2="54061"/>
+                            <a14:backgroundMark x1="74046" y1="55584" x2="74046" y2="55584"/>
+                          </a14:backgroundRemoval>
+                        </a14:imgEffect>
+                      </a14:imgLayer>
+                    </a14:imgProps>
+                  </a:ext>
+                  <a:ext uri="{28A0092B-C50C-407E-A947-70E740481C1C}">
+                    <a14:useLocalDpi xmlns:a14="http://schemas.microsoft.com/office/drawing/2010/main" val="0"/>
+                  </a:ext>
+                </a:extLst>
+              </a:blip>
+              <a:stretch>
+                <a:fillRect/>
+              </a:stretch>
+            </p:blipFill>
+            <p:spPr>
+              <a:xfrm flipH="1">
+                <a:off x="1990675" y="4842570"/>
+                <a:ext cx="434112" cy="1299012"/>
+              </a:xfrm>
+              <a:prstGeom prst="rect">
+                <a:avLst/>
+              </a:prstGeom>
+            </p:spPr>
+          </p:pic>
+          <p:pic>
+            <p:nvPicPr>
+              <p:cNvPr id="26" name="Picture 25"/>
+              <p:cNvPicPr>
+                <a:picLocks noChangeAspect="1"/>
+              </p:cNvPicPr>
+              <p:nvPr/>
+            </p:nvPicPr>
+            <p:blipFill>
+              <a:blip r:embed="rId3" cstate="print">
+                <a:extLst>
+                  <a:ext uri="{BEBA8EAE-BF5A-486C-A8C5-ECC9F3942E4B}">
+                    <a14:imgProps xmlns:a14="http://schemas.microsoft.com/office/drawing/2010/main">
+                      <a14:imgLayer r:embed="rId4">
+                        <a14:imgEffect>
+                          <a14:backgroundRemoval t="0" b="98499" l="6015" r="96241">
+                            <a14:foregroundMark x1="43985" y1="5658" x2="49624" y2="13857"/>
+                            <a14:foregroundMark x1="47368" y1="16975" x2="49624" y2="30023"/>
+                            <a14:foregroundMark x1="60526" y1="24134" x2="53759" y2="37182"/>
+                            <a14:foregroundMark x1="20301" y1="35797" x2="16917" y2="48152"/>
+                            <a14:foregroundMark x1="59398" y1="43995" x2="68421" y2="76674"/>
+                            <a14:foregroundMark x1="14662" y1="51617" x2="15789" y2="56005"/>
+                            <a14:foregroundMark x1="41729" y1="51963" x2="38346" y2="75982"/>
+                            <a14:foregroundMark x1="34962" y1="94804" x2="46241" y2="90993"/>
+                            <a14:foregroundMark x1="69549" y1="95843" x2="77444" y2="93418"/>
+                            <a14:foregroundMark x1="72932" y1="19400" x2="83083" y2="31640"/>
+                            <a14:foregroundMark x1="81955" y1="31986" x2="84211" y2="37875"/>
+                            <a14:foregroundMark x1="74060" y1="20323" x2="79699" y2="21016"/>
+                            <a14:foregroundMark x1="83459" y1="51501" x2="82707" y2="54388"/>
+                            <a14:foregroundMark x1="79699" y1="55081" x2="76692" y2="56351"/>
+                            <a14:foregroundMark x1="91729" y1="36721" x2="91729" y2="40531"/>
+                            <a14:foregroundMark x1="22932" y1="53349" x2="22180" y2="54965"/>
+                            <a14:foregroundMark x1="82331" y1="21709" x2="81955" y2="22171"/>
+                            <a14:foregroundMark x1="42105" y1="17321" x2="39098" y2="18014"/>
+                            <a14:foregroundMark x1="16541" y1="36143" x2="16541" y2="37644"/>
+                            <a14:backgroundMark x1="36090" y1="34296" x2="36090" y2="34296"/>
+                            <a14:backgroundMark x1="74060" y1="37529" x2="74060" y2="37529"/>
+                            <a14:backgroundMark x1="70301" y1="33372" x2="70301" y2="33372"/>
+                            <a14:backgroundMark x1="74060" y1="39607" x2="74060" y2="39607"/>
+                            <a14:backgroundMark x1="74436" y1="41801" x2="74436" y2="41801"/>
+                            <a14:backgroundMark x1="74436" y1="42610" x2="74436" y2="42610"/>
+                            <a14:backgroundMark x1="76336" y1="44162" x2="76336" y2="44162"/>
+                            <a14:backgroundMark x1="76336" y1="45431" x2="76336" y2="45431"/>
+                            <a14:backgroundMark x1="26718" y1="48731" x2="26718" y2="48731"/>
+                            <a14:backgroundMark x1="26718" y1="54061" x2="26718" y2="54061"/>
+                            <a14:backgroundMark x1="74046" y1="57360" x2="74046" y2="57360"/>
+                            <a14:backgroundMark x1="71756" y1="30203" x2="71756" y2="30203"/>
+                            <a14:backgroundMark x1="74046" y1="52792" x2="74046" y2="52792"/>
+                            <a14:backgroundMark x1="73282" y1="54061" x2="73282" y2="54061"/>
+                            <a14:backgroundMark x1="74046" y1="55584" x2="74046" y2="55584"/>
+                          </a14:backgroundRemoval>
+                        </a14:imgEffect>
+                      </a14:imgLayer>
+                    </a14:imgProps>
+                  </a:ext>
+                  <a:ext uri="{28A0092B-C50C-407E-A947-70E740481C1C}">
+                    <a14:useLocalDpi xmlns:a14="http://schemas.microsoft.com/office/drawing/2010/main" val="0"/>
+                  </a:ext>
+                </a:extLst>
+              </a:blip>
+              <a:stretch>
+                <a:fillRect/>
+              </a:stretch>
+            </p:blipFill>
+            <p:spPr>
+              <a:xfrm flipH="1">
+                <a:off x="2479132" y="4842570"/>
+                <a:ext cx="434112" cy="1299012"/>
+              </a:xfrm>
+              <a:prstGeom prst="rect">
+                <a:avLst/>
+              </a:prstGeom>
+            </p:spPr>
+          </p:pic>
+        </p:grpSp>
+        <p:sp>
+          <p:nvSpPr>
+            <p:cNvPr id="7" name="Rectangle 6"/>
+            <p:cNvSpPr/>
+            <p:nvPr/>
+          </p:nvSpPr>
+          <p:spPr>
+            <a:xfrm>
+              <a:off x="2582427" y="1475225"/>
+              <a:ext cx="795528" cy="3922776"/>
+            </a:xfrm>
+            <a:prstGeom prst="rect">
+              <a:avLst/>
+            </a:prstGeom>
+            <a:solidFill>
+              <a:schemeClr val="bg2">
+                <a:lumMod val="50000"/>
+                <a:alpha val="18000"/>
+              </a:schemeClr>
+            </a:solidFill>
+            <a:ln>
+              <a:noFill/>
+            </a:ln>
+          </p:spPr>
+          <p:style>
+            <a:lnRef idx="2">
+              <a:schemeClr val="accent1">
+                <a:shade val="50000"/>
+              </a:schemeClr>
+            </a:lnRef>
+            <a:fillRef idx="1">
+              <a:schemeClr val="accent1"/>
+            </a:fillRef>
+            <a:effectRef idx="0">
+              <a:schemeClr val="accent1"/>
+            </a:effectRef>
+            <a:fontRef idx="minor">
+              <a:schemeClr val="lt1"/>
+            </a:fontRef>
+          </p:style>
+          <p:txBody>
+            <a:bodyPr rtlCol="0" anchor="ctr"/>
+            <a:lstStyle/>
+            <a:p>
+              <a:pPr algn="ctr"/>
+              <a:endParaRPr lang="en-US" sz="1100"/>
+            </a:p>
+          </p:txBody>
+        </p:sp>
+        <p:cxnSp>
+          <p:nvCxnSpPr>
+            <p:cNvPr id="8" name="Straight Connector 7"/>
+            <p:cNvCxnSpPr/>
+            <p:nvPr/>
+          </p:nvCxnSpPr>
+          <p:spPr>
+            <a:xfrm>
+              <a:off x="3016697" y="1484750"/>
+              <a:ext cx="0" cy="3904488"/>
+            </a:xfrm>
+            <a:prstGeom prst="line">
+              <a:avLst/>
+            </a:prstGeom>
+            <a:ln w="19050" cap="rnd">
+              <a:solidFill>
+                <a:srgbClr val="00FF99"/>
+              </a:solidFill>
+              <a:prstDash val="dash"/>
+            </a:ln>
+          </p:spPr>
+          <p:style>
+            <a:lnRef idx="1">
+              <a:schemeClr val="accent1"/>
+            </a:lnRef>
+            <a:fillRef idx="0">
+              <a:schemeClr val="accent1"/>
+            </a:fillRef>
+            <a:effectRef idx="0">
+              <a:schemeClr val="accent1"/>
+            </a:effectRef>
+            <a:fontRef idx="minor">
+              <a:schemeClr val="tx1"/>
+            </a:fontRef>
+          </p:style>
+        </p:cxnSp>
+        <p:cxnSp>
+          <p:nvCxnSpPr>
+            <p:cNvPr id="9" name="Straight Connector 8"/>
+            <p:cNvCxnSpPr/>
+            <p:nvPr/>
+          </p:nvCxnSpPr>
+          <p:spPr>
+            <a:xfrm>
+              <a:off x="10286824" y="1702213"/>
+              <a:ext cx="0" cy="3413901"/>
+            </a:xfrm>
+            <a:prstGeom prst="line">
+              <a:avLst/>
+            </a:prstGeom>
+            <a:ln w="19050">
+              <a:solidFill>
+                <a:srgbClr val="00FF99"/>
+              </a:solidFill>
+              <a:prstDash val="dash"/>
+            </a:ln>
+          </p:spPr>
+          <p:style>
+            <a:lnRef idx="1">
+              <a:schemeClr val="accent1"/>
+            </a:lnRef>
+            <a:fillRef idx="0">
+              <a:schemeClr val="accent1"/>
+            </a:fillRef>
+            <a:effectRef idx="0">
+              <a:schemeClr val="accent1"/>
+            </a:effectRef>
+            <a:fontRef idx="minor">
+              <a:schemeClr val="tx1"/>
+            </a:fontRef>
+          </p:style>
+        </p:cxnSp>
+        <p:cxnSp>
+          <p:nvCxnSpPr>
+            <p:cNvPr id="10" name="Straight Connector 9"/>
+            <p:cNvCxnSpPr/>
+            <p:nvPr/>
+          </p:nvCxnSpPr>
+          <p:spPr>
+            <a:xfrm>
+              <a:off x="10291996" y="2223849"/>
+              <a:ext cx="0" cy="1043769"/>
+            </a:xfrm>
+            <a:prstGeom prst="line">
+              <a:avLst/>
+            </a:prstGeom>
+            <a:ln w="44450" cap="rnd">
+              <a:solidFill>
+                <a:srgbClr val="777777"/>
+              </a:solidFill>
+              <a:round/>
+            </a:ln>
+            <a:effectLst>
+              <a:outerShdw blurRad="50800" dist="38100" dir="2700000" algn="tl" rotWithShape="0">
+                <a:prstClr val="black">
+                  <a:alpha val="40000"/>
+                </a:prstClr>
+              </a:outerShdw>
+            </a:effectLst>
+          </p:spPr>
+          <p:style>
+            <a:lnRef idx="1">
+              <a:schemeClr val="accent1"/>
+            </a:lnRef>
+            <a:fillRef idx="0">
+              <a:schemeClr val="accent1"/>
+            </a:fillRef>
+            <a:effectRef idx="0">
+              <a:schemeClr val="accent1"/>
+            </a:effectRef>
+            <a:fontRef idx="minor">
+              <a:schemeClr val="tx1"/>
+            </a:fontRef>
+          </p:style>
+        </p:cxnSp>
+        <p:sp>
+          <p:nvSpPr>
+            <p:cNvPr id="11" name="TextBox 10"/>
+            <p:cNvSpPr txBox="1"/>
+            <p:nvPr/>
+          </p:nvSpPr>
+          <p:spPr>
+            <a:xfrm>
+              <a:off x="7437710" y="2458002"/>
+              <a:ext cx="1412137" cy="369332"/>
+            </a:xfrm>
+            <a:prstGeom prst="rect">
+              <a:avLst/>
+            </a:prstGeom>
+            <a:noFill/>
+          </p:spPr>
+          <p:txBody>
+            <a:bodyPr wrap="square" rtlCol="0">
+              <a:spAutoFit/>
+            </a:bodyPr>
+            <a:lstStyle/>
+            <a:p>
+              <a:r>
+                <a:rPr lang="en-US">
+                  <a:solidFill>
+                    <a:srgbClr val="6B6767"/>
+                  </a:solidFill>
+                  <a:latin typeface="Times New Roman" panose="02020603050405020304" pitchFamily="18" charset="0"/>
+                  <a:cs typeface="Times New Roman" panose="02020603050405020304" pitchFamily="18" charset="0"/>
+                </a:rPr>
+                <a:t>Optical axis</a:t>
+              </a:r>
+              <a:endParaRPr lang="en-US" dirty="0">
+                <a:solidFill>
+                  <a:srgbClr val="6B6767"/>
+                </a:solidFill>
+                <a:latin typeface="Times New Roman" panose="02020603050405020304" pitchFamily="18" charset="0"/>
+                <a:cs typeface="Times New Roman" panose="02020603050405020304" pitchFamily="18" charset="0"/>
+              </a:endParaRPr>
+            </a:p>
+          </p:txBody>
+        </p:sp>
+        <p:sp>
+          <p:nvSpPr>
+            <p:cNvPr id="12" name="TextBox 11"/>
+            <p:cNvSpPr txBox="1"/>
+            <p:nvPr/>
+          </p:nvSpPr>
+          <p:spPr>
+            <a:xfrm>
+              <a:off x="4178906" y="1497741"/>
+              <a:ext cx="2787043" cy="369332"/>
+            </a:xfrm>
+            <a:prstGeom prst="rect">
+              <a:avLst/>
+            </a:prstGeom>
+            <a:noFill/>
+          </p:spPr>
+          <p:txBody>
+            <a:bodyPr wrap="square" rtlCol="0">
+              <a:spAutoFit/>
+            </a:bodyPr>
+            <a:lstStyle/>
+            <a:p>
+              <a:r>
+                <a:rPr lang="en-US" dirty="0">
+                  <a:solidFill>
+                    <a:schemeClr val="tx1">
+                      <a:lumMod val="75000"/>
+                      <a:lumOff val="25000"/>
+                    </a:schemeClr>
+                  </a:solidFill>
+                  <a:latin typeface="Times New Roman" panose="02020603050405020304" pitchFamily="18" charset="0"/>
+                  <a:cs typeface="Times New Roman" panose="02020603050405020304" pitchFamily="18" charset="0"/>
+                </a:rPr>
+                <a:t>Plane </a:t>
+              </a:r>
+              <a:r>
+                <a:rPr lang="en-US">
+                  <a:solidFill>
+                    <a:schemeClr val="tx1">
+                      <a:lumMod val="75000"/>
+                      <a:lumOff val="25000"/>
+                    </a:schemeClr>
+                  </a:solidFill>
+                  <a:latin typeface="Times New Roman" panose="02020603050405020304" pitchFamily="18" charset="0"/>
+                  <a:cs typeface="Times New Roman" panose="02020603050405020304" pitchFamily="18" charset="0"/>
+                </a:rPr>
+                <a:t>of sharp focus (PoSF)</a:t>
+              </a:r>
+              <a:endParaRPr lang="en-US" dirty="0">
+                <a:solidFill>
+                  <a:schemeClr val="tx1">
+                    <a:lumMod val="75000"/>
+                    <a:lumOff val="25000"/>
+                  </a:schemeClr>
+                </a:solidFill>
+                <a:latin typeface="Times New Roman" panose="02020603050405020304" pitchFamily="18" charset="0"/>
+                <a:cs typeface="Times New Roman" panose="02020603050405020304" pitchFamily="18" charset="0"/>
+              </a:endParaRPr>
+            </a:p>
+          </p:txBody>
+        </p:sp>
+        <p:sp>
+          <p:nvSpPr>
+            <p:cNvPr id="13" name="TextBox 12"/>
+            <p:cNvSpPr txBox="1"/>
+            <p:nvPr/>
+          </p:nvSpPr>
+          <p:spPr>
+            <a:xfrm>
+              <a:off x="3778176" y="4395915"/>
+              <a:ext cx="2240814" cy="369332"/>
+            </a:xfrm>
+            <a:prstGeom prst="rect">
+              <a:avLst/>
+            </a:prstGeom>
+            <a:noFill/>
+          </p:spPr>
+          <p:txBody>
+            <a:bodyPr wrap="square" rtlCol="0">
+              <a:spAutoFit/>
+            </a:bodyPr>
+            <a:lstStyle/>
+            <a:p>
+              <a:pPr algn="ctr"/>
+              <a:r>
+                <a:rPr lang="en-US">
+                  <a:solidFill>
+                    <a:schemeClr val="tx1">
+                      <a:lumMod val="75000"/>
+                      <a:lumOff val="25000"/>
+                    </a:schemeClr>
+                  </a:solidFill>
+                  <a:latin typeface="Times New Roman" panose="02020603050405020304" pitchFamily="18" charset="0"/>
+                  <a:cs typeface="Times New Roman" panose="02020603050405020304" pitchFamily="18" charset="0"/>
+                </a:rPr>
+                <a:t>Depth of field (DOF)</a:t>
+              </a:r>
+              <a:endParaRPr lang="en-US" dirty="0">
+                <a:solidFill>
+                  <a:schemeClr val="tx1">
+                    <a:lumMod val="75000"/>
+                    <a:lumOff val="25000"/>
+                  </a:schemeClr>
+                </a:solidFill>
+                <a:latin typeface="Times New Roman" panose="02020603050405020304" pitchFamily="18" charset="0"/>
+                <a:cs typeface="Times New Roman" panose="02020603050405020304" pitchFamily="18" charset="0"/>
+              </a:endParaRPr>
+            </a:p>
+          </p:txBody>
+        </p:sp>
+        <p:sp>
+          <p:nvSpPr>
+            <p:cNvPr id="14" name="TextBox 13"/>
+            <p:cNvSpPr txBox="1"/>
+            <p:nvPr/>
+          </p:nvSpPr>
+          <p:spPr>
+            <a:xfrm>
+              <a:off x="9201237" y="3637074"/>
+              <a:ext cx="929130" cy="369332"/>
+            </a:xfrm>
+            <a:prstGeom prst="rect">
+              <a:avLst/>
+            </a:prstGeom>
+            <a:noFill/>
+          </p:spPr>
+          <p:txBody>
+            <a:bodyPr wrap="square" rtlCol="0">
+              <a:spAutoFit/>
+            </a:bodyPr>
+            <a:lstStyle/>
+            <a:p>
+              <a:pPr algn="ctr"/>
+              <a:r>
+                <a:rPr lang="en-US">
+                  <a:solidFill>
+                    <a:schemeClr val="tx1">
+                      <a:lumMod val="75000"/>
+                      <a:lumOff val="25000"/>
+                    </a:schemeClr>
+                  </a:solidFill>
+                  <a:latin typeface="Times New Roman" panose="02020603050405020304" pitchFamily="18" charset="0"/>
+                  <a:cs typeface="Times New Roman" panose="02020603050405020304" pitchFamily="18" charset="0"/>
+                </a:rPr>
+                <a:t>Sensor</a:t>
+              </a:r>
+              <a:endParaRPr lang="en-US" dirty="0">
+                <a:solidFill>
+                  <a:schemeClr val="tx1">
+                    <a:lumMod val="75000"/>
+                    <a:lumOff val="25000"/>
+                  </a:schemeClr>
+                </a:solidFill>
+                <a:latin typeface="Times New Roman" panose="02020603050405020304" pitchFamily="18" charset="0"/>
+                <a:cs typeface="Times New Roman" panose="02020603050405020304" pitchFamily="18" charset="0"/>
+              </a:endParaRPr>
+            </a:p>
+          </p:txBody>
+        </p:sp>
+        <p:sp>
+          <p:nvSpPr>
+            <p:cNvPr id="15" name="Arc 14"/>
+            <p:cNvSpPr/>
+            <p:nvPr/>
+          </p:nvSpPr>
+          <p:spPr>
+            <a:xfrm>
+              <a:off x="9146395" y="2779709"/>
+              <a:ext cx="1138953" cy="1138952"/>
+            </a:xfrm>
+            <a:prstGeom prst="arc">
+              <a:avLst>
+                <a:gd name="adj1" fmla="val 21307292"/>
+                <a:gd name="adj2" fmla="val 3641619"/>
+              </a:avLst>
+            </a:prstGeom>
+            <a:ln w="9525">
+              <a:solidFill>
+                <a:schemeClr val="tx1">
+                  <a:lumMod val="65000"/>
+                  <a:lumOff val="35000"/>
+                </a:schemeClr>
+              </a:solidFill>
+              <a:headEnd type="triangle" w="sm" len="med"/>
+              <a:tailEnd type="none"/>
+            </a:ln>
+          </p:spPr>
+          <p:style>
+            <a:lnRef idx="1">
+              <a:schemeClr val="accent1"/>
+            </a:lnRef>
+            <a:fillRef idx="0">
+              <a:schemeClr val="accent1"/>
+            </a:fillRef>
+            <a:effectRef idx="0">
+              <a:schemeClr val="accent1"/>
+            </a:effectRef>
+            <a:fontRef idx="minor">
+              <a:schemeClr val="tx1"/>
+            </a:fontRef>
+          </p:style>
+          <p:txBody>
+            <a:bodyPr rtlCol="0" anchor="ctr"/>
+            <a:lstStyle/>
+            <a:p>
+              <a:pPr algn="ctr"/>
+              <a:endParaRPr lang="en-US"/>
+            </a:p>
+          </p:txBody>
+        </p:sp>
+        <p:cxnSp>
+          <p:nvCxnSpPr>
+            <p:cNvPr id="16" name="Straight Connector 15"/>
+            <p:cNvCxnSpPr/>
+            <p:nvPr/>
+          </p:nvCxnSpPr>
+          <p:spPr>
+            <a:xfrm>
+              <a:off x="3377325" y="1485965"/>
+              <a:ext cx="0" cy="3904488"/>
+            </a:xfrm>
+            <a:prstGeom prst="line">
+              <a:avLst/>
+            </a:prstGeom>
+            <a:ln w="15875" cap="rnd">
+              <a:solidFill>
+                <a:schemeClr val="tx1">
+                  <a:lumMod val="50000"/>
+                  <a:lumOff val="50000"/>
+                  <a:alpha val="88000"/>
+                </a:schemeClr>
+              </a:solidFill>
+              <a:prstDash val="dash"/>
+            </a:ln>
+          </p:spPr>
+          <p:style>
+            <a:lnRef idx="1">
+              <a:schemeClr val="accent1"/>
+            </a:lnRef>
+            <a:fillRef idx="0">
+              <a:schemeClr val="accent1"/>
+            </a:fillRef>
+            <a:effectRef idx="0">
+              <a:schemeClr val="accent1"/>
+            </a:effectRef>
+            <a:fontRef idx="minor">
+              <a:schemeClr val="tx1"/>
+            </a:fontRef>
+          </p:style>
+        </p:cxnSp>
+        <p:cxnSp>
+          <p:nvCxnSpPr>
+            <p:cNvPr id="17" name="Straight Connector 16"/>
+            <p:cNvCxnSpPr/>
+            <p:nvPr/>
+          </p:nvCxnSpPr>
+          <p:spPr>
+            <a:xfrm>
+              <a:off x="2575551" y="1480760"/>
+              <a:ext cx="0" cy="3904488"/>
+            </a:xfrm>
+            <a:prstGeom prst="line">
+              <a:avLst/>
+            </a:prstGeom>
+            <a:ln w="15875" cap="rnd">
+              <a:solidFill>
+                <a:schemeClr val="tx1">
+                  <a:lumMod val="50000"/>
+                  <a:lumOff val="50000"/>
+                  <a:alpha val="88000"/>
+                </a:schemeClr>
+              </a:solidFill>
+              <a:prstDash val="dash"/>
+            </a:ln>
+          </p:spPr>
+          <p:style>
+            <a:lnRef idx="1">
+              <a:schemeClr val="accent1"/>
+            </a:lnRef>
+            <a:fillRef idx="0">
+              <a:schemeClr val="accent1"/>
+            </a:fillRef>
+            <a:effectRef idx="0">
+              <a:schemeClr val="accent1"/>
+            </a:effectRef>
+            <a:fontRef idx="minor">
+              <a:schemeClr val="tx1"/>
+            </a:fontRef>
+          </p:style>
+        </p:cxnSp>
+        <p:grpSp>
+          <p:nvGrpSpPr>
+            <p:cNvPr id="18" name="Group 17"/>
+            <p:cNvGrpSpPr/>
+            <p:nvPr/>
+          </p:nvGrpSpPr>
+          <p:grpSpPr>
+            <a:xfrm>
+              <a:off x="2572902" y="5071011"/>
+              <a:ext cx="804672" cy="175037"/>
+              <a:chOff x="2105577" y="5096467"/>
+              <a:chExt cx="935400" cy="175037"/>
+            </a:xfrm>
+          </p:grpSpPr>
+          <p:cxnSp>
+            <p:nvCxnSpPr>
+              <p:cNvPr id="21" name="Straight Arrow Connector 20"/>
+              <p:cNvCxnSpPr/>
+              <p:nvPr/>
+            </p:nvCxnSpPr>
+            <p:spPr>
+              <a:xfrm flipV="1">
+                <a:off x="2105577" y="5183985"/>
+                <a:ext cx="932688" cy="0"/>
+              </a:xfrm>
+              <a:prstGeom prst="straightConnector1">
+                <a:avLst/>
+              </a:prstGeom>
+              <a:ln w="15875">
+                <a:solidFill>
+                  <a:schemeClr val="tx1">
+                    <a:lumMod val="85000"/>
+                    <a:lumOff val="15000"/>
+                  </a:schemeClr>
+                </a:solidFill>
+                <a:headEnd type="arrow" w="med" len="lg"/>
+                <a:tailEnd type="arrow" w="med" len="lg"/>
+              </a:ln>
+            </p:spPr>
+            <p:style>
+              <a:lnRef idx="1">
+                <a:schemeClr val="dk1"/>
+              </a:lnRef>
+              <a:fillRef idx="0">
+                <a:schemeClr val="dk1"/>
+              </a:fillRef>
+              <a:effectRef idx="0">
+                <a:schemeClr val="dk1"/>
+              </a:effectRef>
+              <a:fontRef idx="minor">
+                <a:schemeClr val="tx1"/>
+              </a:fontRef>
+            </p:style>
+          </p:cxnSp>
+          <p:cxnSp>
+            <p:nvCxnSpPr>
+              <p:cNvPr id="22" name="Straight Connector 21"/>
+              <p:cNvCxnSpPr>
+                <a:cxnSpLocks/>
+              </p:cNvCxnSpPr>
+              <p:nvPr/>
+            </p:nvCxnSpPr>
+            <p:spPr>
+              <a:xfrm>
+                <a:off x="3040977" y="5096467"/>
+                <a:ext cx="0" cy="175037"/>
+              </a:xfrm>
+              <a:prstGeom prst="line">
+                <a:avLst/>
+              </a:prstGeom>
+              <a:ln w="15875">
+                <a:solidFill>
+                  <a:schemeClr val="tx1">
+                    <a:lumMod val="85000"/>
+                    <a:lumOff val="15000"/>
+                  </a:schemeClr>
+                </a:solidFill>
+                <a:prstDash val="solid"/>
+                <a:headEnd type="none" w="med" len="med"/>
+                <a:tailEnd type="none" w="med" len="med"/>
+              </a:ln>
+            </p:spPr>
+            <p:style>
+              <a:lnRef idx="1">
+                <a:schemeClr val="accent1"/>
+              </a:lnRef>
+              <a:fillRef idx="0">
+                <a:schemeClr val="accent1"/>
+              </a:fillRef>
+              <a:effectRef idx="0">
+                <a:schemeClr val="accent1"/>
+              </a:effectRef>
+              <a:fontRef idx="minor">
+                <a:schemeClr val="tx1"/>
+              </a:fontRef>
+            </p:style>
+          </p:cxnSp>
+          <p:cxnSp>
+            <p:nvCxnSpPr>
+              <p:cNvPr id="23" name="Straight Connector 22"/>
+              <p:cNvCxnSpPr>
+                <a:cxnSpLocks/>
+              </p:cNvCxnSpPr>
+              <p:nvPr/>
+            </p:nvCxnSpPr>
+            <p:spPr>
+              <a:xfrm>
+                <a:off x="2107527" y="5096467"/>
+                <a:ext cx="0" cy="175037"/>
+              </a:xfrm>
+              <a:prstGeom prst="line">
+                <a:avLst/>
+              </a:prstGeom>
+              <a:ln w="15875">
+                <a:solidFill>
+                  <a:schemeClr val="tx1">
+                    <a:lumMod val="85000"/>
+                    <a:lumOff val="15000"/>
+                  </a:schemeClr>
+                </a:solidFill>
+                <a:prstDash val="solid"/>
+                <a:headEnd type="none" w="med" len="med"/>
+                <a:tailEnd type="none" w="med" len="med"/>
+              </a:ln>
+            </p:spPr>
+            <p:style>
+              <a:lnRef idx="1">
+                <a:schemeClr val="accent1"/>
+              </a:lnRef>
+              <a:fillRef idx="0">
+                <a:schemeClr val="accent1"/>
+              </a:fillRef>
+              <a:effectRef idx="0">
+                <a:schemeClr val="accent1"/>
+              </a:effectRef>
+              <a:fontRef idx="minor">
+                <a:schemeClr val="tx1"/>
+              </a:fontRef>
+            </p:style>
+          </p:cxnSp>
+        </p:grpSp>
+        <p:sp>
+          <p:nvSpPr>
+            <p:cNvPr id="19" name="Rectangle 18"/>
+            <p:cNvSpPr/>
+            <p:nvPr/>
+          </p:nvSpPr>
+          <p:spPr>
+            <a:xfrm>
+              <a:off x="1726089" y="1465297"/>
+              <a:ext cx="8765987" cy="3923319"/>
+            </a:xfrm>
+            <a:prstGeom prst="rect">
+              <a:avLst/>
+            </a:prstGeom>
+            <a:noFill/>
+            <a:ln w="6350">
+              <a:solidFill>
+                <a:schemeClr val="tx1">
+                  <a:lumMod val="65000"/>
+                  <a:lumOff val="35000"/>
+                </a:schemeClr>
+              </a:solidFill>
+            </a:ln>
+          </p:spPr>
+          <p:style>
+            <a:lnRef idx="2">
+              <a:schemeClr val="accent1">
+                <a:shade val="50000"/>
+              </a:schemeClr>
+            </a:lnRef>
+            <a:fillRef idx="1">
+              <a:schemeClr val="accent1"/>
+            </a:fillRef>
+            <a:effectRef idx="0">
+              <a:schemeClr val="accent1"/>
+            </a:effectRef>
+            <a:fontRef idx="minor">
+              <a:schemeClr val="lt1"/>
+            </a:fontRef>
+          </p:style>
+          <p:txBody>
+            <a:bodyPr rtlCol="0" anchor="ctr"/>
+            <a:lstStyle/>
+            <a:p>
+              <a:pPr algn="ctr"/>
+              <a:endParaRPr lang="en-US" sz="1100"/>
+            </a:p>
+          </p:txBody>
+        </p:sp>
+        <p:cxnSp>
+          <p:nvCxnSpPr>
+            <p:cNvPr id="20" name="Straight Arrow Connector 19"/>
+            <p:cNvCxnSpPr/>
+            <p:nvPr/>
+          </p:nvCxnSpPr>
+          <p:spPr>
+            <a:xfrm flipH="1" flipV="1">
+              <a:off x="3047292" y="1682474"/>
+              <a:ext cx="1188720" cy="0"/>
+            </a:xfrm>
+            <a:prstGeom prst="straightConnector1">
+              <a:avLst/>
+            </a:prstGeom>
+            <a:ln w="9525">
+              <a:solidFill>
+                <a:schemeClr val="tx1">
+                  <a:lumMod val="65000"/>
+                  <a:lumOff val="35000"/>
+                </a:schemeClr>
+              </a:solidFill>
+              <a:headEnd type="none" w="sm" len="med"/>
+              <a:tailEnd type="triangle" w="sm" len="med"/>
+            </a:ln>
+          </p:spPr>
+          <p:style>
+            <a:lnRef idx="1">
+              <a:schemeClr val="accent1"/>
+            </a:lnRef>
+            <a:fillRef idx="0">
+              <a:schemeClr val="accent1"/>
+            </a:fillRef>
+            <a:effectRef idx="0">
+              <a:schemeClr val="accent1"/>
+            </a:effectRef>
+            <a:fontRef idx="minor">
+              <a:schemeClr val="tx1"/>
+            </a:fontRef>
+          </p:style>
+        </p:cxnSp>
+      </p:grpSp>
+    </p:spTree>
+    <p:extLst>
+      <p:ext uri="{BB962C8B-B14F-4D97-AF65-F5344CB8AC3E}">
+        <p14:creationId xmlns:p14="http://schemas.microsoft.com/office/powerpoint/2010/main" val="2577813010"/>
+      </p:ext>
+    </p:extLst>
+  </p:cSld>
+  <p:clrMapOvr>
+    <a:masterClrMapping/>
+  </p:clrMapOvr>
+</p:sld>
+</file>
+
+<file path=ppt/slides/slide5.xml><?xml version="1.0" encoding="utf-8"?>
+<p:sld xmlns:a="http://schemas.openxmlformats.org/drawingml/2006/main" xmlns:r="http://schemas.openxmlformats.org/officeDocument/2006/relationships" xmlns:p="http://schemas.openxmlformats.org/presentationml/2006/main">
+  <p:cSld>
+    <p:spTree>
+      <p:nvGrpSpPr>
+        <p:cNvPr id="1" name=""/>
+        <p:cNvGrpSpPr/>
+        <p:nvPr/>
+      </p:nvGrpSpPr>
+      <p:grpSpPr>
+        <a:xfrm>
+          <a:off x="0" y="0"/>
+          <a:ext cx="0" cy="0"/>
+          <a:chOff x="0" y="0"/>
+          <a:chExt cx="0" cy="0"/>
+        </a:xfrm>
+      </p:grpSpPr>
+      <p:grpSp>
+        <p:nvGrpSpPr>
+          <p:cNvPr id="2" name="Group 1"/>
+          <p:cNvGrpSpPr/>
+          <p:nvPr/>
+        </p:nvGrpSpPr>
+        <p:grpSpPr>
+          <a:xfrm>
+            <a:off x="1701738" y="1467341"/>
+            <a:ext cx="8788525" cy="3923319"/>
+            <a:chOff x="1701738" y="1467341"/>
+            <a:chExt cx="8788525" cy="3923319"/>
+          </a:xfrm>
+        </p:grpSpPr>
+        <p:sp>
+          <p:nvSpPr>
+            <p:cNvPr id="3" name="Rectangle 2"/>
+            <p:cNvSpPr/>
+            <p:nvPr/>
+          </p:nvSpPr>
+          <p:spPr>
+            <a:xfrm>
+              <a:off x="1724276" y="1467341"/>
+              <a:ext cx="8765987" cy="3923319"/>
+            </a:xfrm>
+            <a:prstGeom prst="rect">
+              <a:avLst/>
+            </a:prstGeom>
+            <a:noFill/>
+            <a:ln w="6350">
+              <a:solidFill>
+                <a:schemeClr val="tx1">
+                  <a:lumMod val="65000"/>
+                  <a:lumOff val="35000"/>
+                </a:schemeClr>
+              </a:solidFill>
+            </a:ln>
+          </p:spPr>
+          <p:style>
+            <a:lnRef idx="2">
+              <a:schemeClr val="accent1">
+                <a:shade val="50000"/>
+              </a:schemeClr>
+            </a:lnRef>
+            <a:fillRef idx="1">
+              <a:schemeClr val="accent1"/>
+            </a:fillRef>
+            <a:effectRef idx="0">
+              <a:schemeClr val="accent1"/>
+            </a:effectRef>
+            <a:fontRef idx="minor">
+              <a:schemeClr val="lt1"/>
+            </a:fontRef>
+          </p:style>
+          <p:txBody>
+            <a:bodyPr rtlCol="0" anchor="ctr"/>
+            <a:lstStyle/>
+            <a:p>
+              <a:pPr algn="ctr"/>
+              <a:endParaRPr lang="en-US" sz="1100"/>
+            </a:p>
+          </p:txBody>
+        </p:sp>
+        <p:cxnSp>
+          <p:nvCxnSpPr>
+            <p:cNvPr id="4" name="Straight Connector 3"/>
+            <p:cNvCxnSpPr/>
+            <p:nvPr/>
+          </p:nvCxnSpPr>
+          <p:spPr>
+            <a:xfrm>
+              <a:off x="1727660" y="2744257"/>
+              <a:ext cx="8677270" cy="0"/>
+            </a:xfrm>
+            <a:prstGeom prst="line">
+              <a:avLst/>
+            </a:prstGeom>
+            <a:ln w="15875">
+              <a:solidFill>
+                <a:srgbClr val="F5504E"/>
+              </a:solidFill>
+              <a:prstDash val="dash"/>
+            </a:ln>
+          </p:spPr>
+          <p:style>
+            <a:lnRef idx="1">
+              <a:schemeClr val="accent1"/>
+            </a:lnRef>
+            <a:fillRef idx="0">
+              <a:schemeClr val="accent1"/>
+            </a:fillRef>
+            <a:effectRef idx="0">
+              <a:schemeClr val="accent1"/>
+            </a:effectRef>
+            <a:fontRef idx="minor">
+              <a:schemeClr val="tx1"/>
+            </a:fontRef>
+          </p:style>
+        </p:cxnSp>
+        <p:sp>
+          <p:nvSpPr>
+            <p:cNvPr id="5" name="TextBox 4"/>
+            <p:cNvSpPr txBox="1"/>
+            <p:nvPr/>
+          </p:nvSpPr>
+          <p:spPr>
+            <a:xfrm>
+              <a:off x="4832278" y="3687621"/>
+              <a:ext cx="2796293" cy="369332"/>
+            </a:xfrm>
+            <a:prstGeom prst="rect">
+              <a:avLst/>
+            </a:prstGeom>
+            <a:noFill/>
+          </p:spPr>
+          <p:txBody>
+            <a:bodyPr wrap="square" rtlCol="0">
+              <a:spAutoFit/>
+            </a:bodyPr>
+            <a:lstStyle/>
+            <a:p>
+              <a:pPr algn="ctr"/>
+              <a:r>
+                <a:rPr lang="en-US" dirty="0">
+                  <a:solidFill>
+                    <a:schemeClr val="tx1">
+                      <a:lumMod val="75000"/>
+                      <a:lumOff val="25000"/>
+                    </a:schemeClr>
+                  </a:solidFill>
+                  <a:latin typeface="Times New Roman" panose="02020603050405020304" pitchFamily="18" charset="0"/>
+                  <a:cs typeface="Times New Roman" panose="02020603050405020304" pitchFamily="18" charset="0"/>
+                </a:rPr>
+                <a:t>Plane of </a:t>
+              </a:r>
+              <a:r>
+                <a:rPr lang="en-US">
+                  <a:solidFill>
+                    <a:schemeClr val="tx1">
+                      <a:lumMod val="75000"/>
+                      <a:lumOff val="25000"/>
+                    </a:schemeClr>
+                  </a:solidFill>
+                  <a:latin typeface="Times New Roman" panose="02020603050405020304" pitchFamily="18" charset="0"/>
+                  <a:cs typeface="Times New Roman" panose="02020603050405020304" pitchFamily="18" charset="0"/>
+                </a:rPr>
+                <a:t>sharp focus (PoSF)</a:t>
+              </a:r>
+              <a:endParaRPr lang="en-US" dirty="0">
+                <a:solidFill>
+                  <a:schemeClr val="tx1">
+                    <a:lumMod val="75000"/>
+                    <a:lumOff val="25000"/>
+                  </a:schemeClr>
+                </a:solidFill>
+                <a:latin typeface="Times New Roman" panose="02020603050405020304" pitchFamily="18" charset="0"/>
+                <a:cs typeface="Times New Roman" panose="02020603050405020304" pitchFamily="18" charset="0"/>
+              </a:endParaRPr>
+            </a:p>
+          </p:txBody>
+        </p:sp>
+        <p:grpSp>
+          <p:nvGrpSpPr>
+            <p:cNvPr id="6" name="Group 5"/>
+            <p:cNvGrpSpPr/>
+            <p:nvPr/>
+          </p:nvGrpSpPr>
+          <p:grpSpPr>
+            <a:xfrm>
+              <a:off x="1701738" y="2222286"/>
+              <a:ext cx="2409486" cy="2143757"/>
+              <a:chOff x="1453214" y="4842570"/>
+              <a:chExt cx="1460030" cy="1299012"/>
+            </a:xfrm>
+            <a:effectLst>
+              <a:outerShdw blurRad="50800" dist="38100" dir="2700000" algn="tl" rotWithShape="0">
+                <a:prstClr val="black">
+                  <a:alpha val="40000"/>
+                </a:prstClr>
+              </a:outerShdw>
+            </a:effectLst>
+          </p:grpSpPr>
+          <p:pic>
+            <p:nvPicPr>
+              <p:cNvPr id="27" name="Picture 26"/>
+              <p:cNvPicPr>
+                <a:picLocks noChangeAspect="1"/>
+              </p:cNvPicPr>
+              <p:nvPr/>
+            </p:nvPicPr>
+            <p:blipFill>
+              <a:blip r:embed="rId2" cstate="print">
+                <a:extLst>
+                  <a:ext uri="{BEBA8EAE-BF5A-486C-A8C5-ECC9F3942E4B}">
+                    <a14:imgProps xmlns:a14="http://schemas.microsoft.com/office/drawing/2010/main">
+                      <a14:imgLayer r:embed="rId3">
+                        <a14:imgEffect>
+                          <a14:backgroundRemoval t="0" b="98499" l="6015" r="96241">
+                            <a14:foregroundMark x1="43985" y1="5658" x2="49624" y2="13857"/>
+                            <a14:foregroundMark x1="47368" y1="16975" x2="49624" y2="30023"/>
+                            <a14:foregroundMark x1="60526" y1="24134" x2="53759" y2="37182"/>
+                            <a14:foregroundMark x1="20301" y1="35797" x2="16917" y2="48152"/>
+                            <a14:foregroundMark x1="59398" y1="43995" x2="68421" y2="76674"/>
+                            <a14:foregroundMark x1="14662" y1="51617" x2="15789" y2="56005"/>
+                            <a14:foregroundMark x1="41729" y1="51963" x2="38346" y2="75982"/>
+                            <a14:foregroundMark x1="34962" y1="94804" x2="46241" y2="90993"/>
+                            <a14:foregroundMark x1="69549" y1="95843" x2="77444" y2="93418"/>
+                            <a14:foregroundMark x1="72932" y1="19400" x2="83083" y2="31640"/>
+                            <a14:foregroundMark x1="81955" y1="31986" x2="84211" y2="37875"/>
+                            <a14:foregroundMark x1="74060" y1="20323" x2="79699" y2="21016"/>
+                            <a14:foregroundMark x1="83459" y1="51501" x2="82707" y2="54388"/>
+                            <a14:foregroundMark x1="79699" y1="55081" x2="76692" y2="56351"/>
+                            <a14:foregroundMark x1="91729" y1="36721" x2="91729" y2="40531"/>
+                            <a14:foregroundMark x1="22932" y1="53349" x2="22180" y2="54965"/>
+                            <a14:foregroundMark x1="82331" y1="21709" x2="81955" y2="22171"/>
+                            <a14:foregroundMark x1="42105" y1="17321" x2="39098" y2="18014"/>
+                            <a14:foregroundMark x1="16541" y1="36143" x2="16541" y2="37644"/>
+                            <a14:backgroundMark x1="36090" y1="34296" x2="36090" y2="34296"/>
+                            <a14:backgroundMark x1="74060" y1="37529" x2="74060" y2="37529"/>
+                            <a14:backgroundMark x1="70301" y1="33372" x2="70301" y2="33372"/>
+                            <a14:backgroundMark x1="74060" y1="39607" x2="74060" y2="39607"/>
+                            <a14:backgroundMark x1="74436" y1="41801" x2="74436" y2="41801"/>
+                            <a14:backgroundMark x1="74436" y1="42610" x2="74436" y2="42610"/>
+                            <a14:backgroundMark x1="76336" y1="44162" x2="76336" y2="44162"/>
+                            <a14:backgroundMark x1="76336" y1="45431" x2="76336" y2="45431"/>
+                            <a14:backgroundMark x1="26718" y1="48731" x2="26718" y2="48731"/>
+                            <a14:backgroundMark x1="26718" y1="54061" x2="26718" y2="54061"/>
+                            <a14:backgroundMark x1="74046" y1="57360" x2="74046" y2="57360"/>
+                            <a14:backgroundMark x1="71756" y1="30203" x2="71756" y2="30203"/>
+                            <a14:backgroundMark x1="74046" y1="52792" x2="74046" y2="52792"/>
+                            <a14:backgroundMark x1="73282" y1="54061" x2="73282" y2="54061"/>
+                            <a14:backgroundMark x1="74046" y1="55584" x2="74046" y2="55584"/>
+                          </a14:backgroundRemoval>
+                        </a14:imgEffect>
+                      </a14:imgLayer>
+                    </a14:imgProps>
+                  </a:ext>
+                  <a:ext uri="{28A0092B-C50C-407E-A947-70E740481C1C}">
+                    <a14:useLocalDpi xmlns:a14="http://schemas.microsoft.com/office/drawing/2010/main" val="0"/>
+                  </a:ext>
+                </a:extLst>
+              </a:blip>
+              <a:stretch>
+                <a:fillRect/>
+              </a:stretch>
+            </p:blipFill>
+            <p:spPr>
+              <a:xfrm flipH="1">
+                <a:off x="1453214" y="4842570"/>
+                <a:ext cx="434112" cy="1299012"/>
+              </a:xfrm>
+              <a:prstGeom prst="rect">
+                <a:avLst/>
+              </a:prstGeom>
+            </p:spPr>
+          </p:pic>
+          <p:pic>
+            <p:nvPicPr>
+              <p:cNvPr id="28" name="Picture 27"/>
+              <p:cNvPicPr>
+                <a:picLocks noChangeAspect="1"/>
+              </p:cNvPicPr>
+              <p:nvPr/>
+            </p:nvPicPr>
+            <p:blipFill>
+              <a:blip r:embed="rId2" cstate="print">
+                <a:extLst>
+                  <a:ext uri="{BEBA8EAE-BF5A-486C-A8C5-ECC9F3942E4B}">
+                    <a14:imgProps xmlns:a14="http://schemas.microsoft.com/office/drawing/2010/main">
+                      <a14:imgLayer r:embed="rId3">
+                        <a14:imgEffect>
+                          <a14:backgroundRemoval t="0" b="98499" l="6015" r="96241">
+                            <a14:foregroundMark x1="43985" y1="5658" x2="49624" y2="13857"/>
+                            <a14:foregroundMark x1="47368" y1="16975" x2="49624" y2="30023"/>
+                            <a14:foregroundMark x1="60526" y1="24134" x2="53759" y2="37182"/>
+                            <a14:foregroundMark x1="20301" y1="35797" x2="16917" y2="48152"/>
+                            <a14:foregroundMark x1="59398" y1="43995" x2="68421" y2="76674"/>
+                            <a14:foregroundMark x1="14662" y1="51617" x2="15789" y2="56005"/>
+                            <a14:foregroundMark x1="41729" y1="51963" x2="38346" y2="75982"/>
+                            <a14:foregroundMark x1="34962" y1="94804" x2="46241" y2="90993"/>
+                            <a14:foregroundMark x1="69549" y1="95843" x2="77444" y2="93418"/>
+                            <a14:foregroundMark x1="72932" y1="19400" x2="83083" y2="31640"/>
+                            <a14:foregroundMark x1="81955" y1="31986" x2="84211" y2="37875"/>
+                            <a14:foregroundMark x1="74060" y1="20323" x2="79699" y2="21016"/>
+                            <a14:foregroundMark x1="83459" y1="51501" x2="82707" y2="54388"/>
+                            <a14:foregroundMark x1="79699" y1="55081" x2="76692" y2="56351"/>
+                            <a14:foregroundMark x1="91729" y1="36721" x2="91729" y2="40531"/>
+                            <a14:foregroundMark x1="22932" y1="53349" x2="22180" y2="54965"/>
+                            <a14:foregroundMark x1="82331" y1="21709" x2="81955" y2="22171"/>
+                            <a14:foregroundMark x1="42105" y1="17321" x2="39098" y2="18014"/>
+                            <a14:foregroundMark x1="16541" y1="36143" x2="16541" y2="37644"/>
+                            <a14:backgroundMark x1="36090" y1="34296" x2="36090" y2="34296"/>
+                            <a14:backgroundMark x1="74060" y1="37529" x2="74060" y2="37529"/>
+                            <a14:backgroundMark x1="70301" y1="33372" x2="70301" y2="33372"/>
+                            <a14:backgroundMark x1="74060" y1="39607" x2="74060" y2="39607"/>
+                            <a14:backgroundMark x1="74436" y1="41801" x2="74436" y2="41801"/>
+                            <a14:backgroundMark x1="74436" y1="42610" x2="74436" y2="42610"/>
+                            <a14:backgroundMark x1="76336" y1="44162" x2="76336" y2="44162"/>
+                            <a14:backgroundMark x1="76336" y1="45431" x2="76336" y2="45431"/>
+                            <a14:backgroundMark x1="26718" y1="48731" x2="26718" y2="48731"/>
+                            <a14:backgroundMark x1="26718" y1="54061" x2="26718" y2="54061"/>
+                            <a14:backgroundMark x1="74046" y1="57360" x2="74046" y2="57360"/>
+                            <a14:backgroundMark x1="71756" y1="30203" x2="71756" y2="30203"/>
+                            <a14:backgroundMark x1="74046" y1="52792" x2="74046" y2="52792"/>
+                            <a14:backgroundMark x1="73282" y1="54061" x2="73282" y2="54061"/>
+                            <a14:backgroundMark x1="74046" y1="55584" x2="74046" y2="55584"/>
+                          </a14:backgroundRemoval>
+                        </a14:imgEffect>
+                      </a14:imgLayer>
+                    </a14:imgProps>
+                  </a:ext>
+                  <a:ext uri="{28A0092B-C50C-407E-A947-70E740481C1C}">
+                    <a14:useLocalDpi xmlns:a14="http://schemas.microsoft.com/office/drawing/2010/main" val="0"/>
+                  </a:ext>
+                </a:extLst>
+              </a:blip>
+              <a:stretch>
+                <a:fillRect/>
+              </a:stretch>
+            </p:blipFill>
+            <p:spPr>
+              <a:xfrm flipH="1">
+                <a:off x="1990675" y="4842570"/>
+                <a:ext cx="434112" cy="1299012"/>
+              </a:xfrm>
+              <a:prstGeom prst="rect">
+                <a:avLst/>
+              </a:prstGeom>
+            </p:spPr>
+          </p:pic>
+          <p:pic>
+            <p:nvPicPr>
+              <p:cNvPr id="29" name="Picture 28"/>
+              <p:cNvPicPr>
+                <a:picLocks noChangeAspect="1"/>
+              </p:cNvPicPr>
+              <p:nvPr/>
+            </p:nvPicPr>
+            <p:blipFill>
+              <a:blip r:embed="rId2" cstate="print">
+                <a:extLst>
+                  <a:ext uri="{BEBA8EAE-BF5A-486C-A8C5-ECC9F3942E4B}">
+                    <a14:imgProps xmlns:a14="http://schemas.microsoft.com/office/drawing/2010/main">
+                      <a14:imgLayer r:embed="rId3">
+                        <a14:imgEffect>
+                          <a14:backgroundRemoval t="0" b="98499" l="6015" r="96241">
+                            <a14:foregroundMark x1="43985" y1="5658" x2="49624" y2="13857"/>
+                            <a14:foregroundMark x1="47368" y1="16975" x2="49624" y2="30023"/>
+                            <a14:foregroundMark x1="60526" y1="24134" x2="53759" y2="37182"/>
+                            <a14:foregroundMark x1="20301" y1="35797" x2="16917" y2="48152"/>
+                            <a14:foregroundMark x1="59398" y1="43995" x2="68421" y2="76674"/>
+                            <a14:foregroundMark x1="14662" y1="51617" x2="15789" y2="56005"/>
+                            <a14:foregroundMark x1="41729" y1="51963" x2="38346" y2="75982"/>
+                            <a14:foregroundMark x1="34962" y1="94804" x2="46241" y2="90993"/>
+                            <a14:foregroundMark x1="69549" y1="95843" x2="77444" y2="93418"/>
+                            <a14:foregroundMark x1="72932" y1="19400" x2="83083" y2="31640"/>
+                            <a14:foregroundMark x1="81955" y1="31986" x2="84211" y2="37875"/>
+                            <a14:foregroundMark x1="74060" y1="20323" x2="79699" y2="21016"/>
+                            <a14:foregroundMark x1="83459" y1="51501" x2="82707" y2="54388"/>
+                            <a14:foregroundMark x1="79699" y1="55081" x2="76692" y2="56351"/>
+                            <a14:foregroundMark x1="91729" y1="36721" x2="91729" y2="40531"/>
+                            <a14:foregroundMark x1="22932" y1="53349" x2="22180" y2="54965"/>
+                            <a14:foregroundMark x1="82331" y1="21709" x2="81955" y2="22171"/>
+                            <a14:foregroundMark x1="42105" y1="17321" x2="39098" y2="18014"/>
+                            <a14:foregroundMark x1="16541" y1="36143" x2="16541" y2="37644"/>
+                            <a14:backgroundMark x1="36090" y1="34296" x2="36090" y2="34296"/>
+                            <a14:backgroundMark x1="74060" y1="37529" x2="74060" y2="37529"/>
+                            <a14:backgroundMark x1="70301" y1="33372" x2="70301" y2="33372"/>
+                            <a14:backgroundMark x1="74060" y1="39607" x2="74060" y2="39607"/>
+                            <a14:backgroundMark x1="74436" y1="41801" x2="74436" y2="41801"/>
+                            <a14:backgroundMark x1="74436" y1="42610" x2="74436" y2="42610"/>
+                            <a14:backgroundMark x1="76336" y1="44162" x2="76336" y2="44162"/>
+                            <a14:backgroundMark x1="76336" y1="45431" x2="76336" y2="45431"/>
+                            <a14:backgroundMark x1="26718" y1="48731" x2="26718" y2="48731"/>
+                            <a14:backgroundMark x1="26718" y1="54061" x2="26718" y2="54061"/>
+                            <a14:backgroundMark x1="74046" y1="57360" x2="74046" y2="57360"/>
+                            <a14:backgroundMark x1="71756" y1="30203" x2="71756" y2="30203"/>
+                            <a14:backgroundMark x1="74046" y1="52792" x2="74046" y2="52792"/>
+                            <a14:backgroundMark x1="73282" y1="54061" x2="73282" y2="54061"/>
+                            <a14:backgroundMark x1="74046" y1="55584" x2="74046" y2="55584"/>
+                          </a14:backgroundRemoval>
+                        </a14:imgEffect>
+                      </a14:imgLayer>
+                    </a14:imgProps>
+                  </a:ext>
+                  <a:ext uri="{28A0092B-C50C-407E-A947-70E740481C1C}">
+                    <a14:useLocalDpi xmlns:a14="http://schemas.microsoft.com/office/drawing/2010/main" val="0"/>
+                  </a:ext>
+                </a:extLst>
+              </a:blip>
+              <a:stretch>
+                <a:fillRect/>
+              </a:stretch>
+            </p:blipFill>
+            <p:spPr>
+              <a:xfrm flipH="1">
+                <a:off x="2479132" y="4842570"/>
+                <a:ext cx="434112" cy="1299012"/>
+              </a:xfrm>
+              <a:prstGeom prst="rect">
+                <a:avLst/>
+              </a:prstGeom>
+            </p:spPr>
+          </p:pic>
+        </p:grpSp>
+        <p:sp>
+          <p:nvSpPr>
+            <p:cNvPr id="7" name="TextBox 6"/>
+            <p:cNvSpPr txBox="1"/>
+            <p:nvPr/>
+          </p:nvSpPr>
+          <p:spPr>
+            <a:xfrm rot="20716270">
+              <a:off x="7675243" y="2838114"/>
+              <a:ext cx="1412137" cy="380942"/>
+            </a:xfrm>
+            <a:prstGeom prst="rect">
+              <a:avLst/>
+            </a:prstGeom>
+            <a:noFill/>
+          </p:spPr>
+          <p:txBody>
+            <a:bodyPr wrap="square" rtlCol="0">
+              <a:spAutoFit/>
+            </a:bodyPr>
+            <a:lstStyle/>
+            <a:p>
+              <a:r>
+                <a:rPr lang="en-US">
+                  <a:solidFill>
+                    <a:schemeClr val="tx1">
+                      <a:lumMod val="75000"/>
+                      <a:lumOff val="25000"/>
+                    </a:schemeClr>
+                  </a:solidFill>
+                  <a:latin typeface="Times New Roman" panose="02020603050405020304" pitchFamily="18" charset="0"/>
+                  <a:cs typeface="Times New Roman" panose="02020603050405020304" pitchFamily="18" charset="0"/>
+                </a:rPr>
+                <a:t>Optical axis</a:t>
+              </a:r>
+              <a:endParaRPr lang="en-US" dirty="0">
+                <a:solidFill>
+                  <a:schemeClr val="tx1">
+                    <a:lumMod val="75000"/>
+                    <a:lumOff val="25000"/>
+                  </a:schemeClr>
+                </a:solidFill>
+                <a:latin typeface="Times New Roman" panose="02020603050405020304" pitchFamily="18" charset="0"/>
+                <a:cs typeface="Times New Roman" panose="02020603050405020304" pitchFamily="18" charset="0"/>
+              </a:endParaRPr>
+            </a:p>
+          </p:txBody>
+        </p:sp>
+        <p:sp>
+          <p:nvSpPr>
+            <p:cNvPr id="8" name="TextBox 7"/>
+            <p:cNvSpPr txBox="1"/>
+            <p:nvPr/>
+          </p:nvSpPr>
+          <p:spPr>
+            <a:xfrm>
+              <a:off x="4110782" y="1786491"/>
+              <a:ext cx="2132343" cy="369332"/>
+            </a:xfrm>
+            <a:prstGeom prst="rect">
+              <a:avLst/>
+            </a:prstGeom>
+            <a:noFill/>
+          </p:spPr>
+          <p:txBody>
+            <a:bodyPr wrap="square" rtlCol="0">
+              <a:spAutoFit/>
+            </a:bodyPr>
+            <a:lstStyle/>
+            <a:p>
+              <a:pPr algn="ctr"/>
+              <a:r>
+                <a:rPr lang="en-US">
+                  <a:solidFill>
+                    <a:schemeClr val="tx1">
+                      <a:lumMod val="75000"/>
+                      <a:lumOff val="25000"/>
+                    </a:schemeClr>
+                  </a:solidFill>
+                  <a:latin typeface="Times New Roman" panose="02020603050405020304" pitchFamily="18" charset="0"/>
+                  <a:cs typeface="Times New Roman" panose="02020603050405020304" pitchFamily="18" charset="0"/>
+                </a:rPr>
+                <a:t>Depth of field (DOF)</a:t>
+              </a:r>
+              <a:endParaRPr lang="en-US" dirty="0">
+                <a:solidFill>
+                  <a:schemeClr val="tx1">
+                    <a:lumMod val="75000"/>
+                    <a:lumOff val="25000"/>
+                  </a:schemeClr>
+                </a:solidFill>
+                <a:latin typeface="Times New Roman" panose="02020603050405020304" pitchFamily="18" charset="0"/>
+                <a:cs typeface="Times New Roman" panose="02020603050405020304" pitchFamily="18" charset="0"/>
+              </a:endParaRPr>
+            </a:p>
+          </p:txBody>
+        </p:sp>
+        <p:sp>
+          <p:nvSpPr>
+            <p:cNvPr id="9" name="TextBox 8"/>
+            <p:cNvSpPr txBox="1"/>
+            <p:nvPr/>
+          </p:nvSpPr>
+          <p:spPr>
+            <a:xfrm>
+              <a:off x="9197828" y="1834091"/>
+              <a:ext cx="929130" cy="380942"/>
+            </a:xfrm>
+            <a:prstGeom prst="rect">
+              <a:avLst/>
+            </a:prstGeom>
+            <a:noFill/>
+          </p:spPr>
+          <p:txBody>
+            <a:bodyPr wrap="square" rtlCol="0">
+              <a:spAutoFit/>
+            </a:bodyPr>
+            <a:lstStyle/>
+            <a:p>
+              <a:r>
+                <a:rPr lang="en-US">
+                  <a:solidFill>
+                    <a:schemeClr val="tx1">
+                      <a:lumMod val="75000"/>
+                      <a:lumOff val="25000"/>
+                    </a:schemeClr>
+                  </a:solidFill>
+                  <a:latin typeface="Times New Roman" panose="02020603050405020304" pitchFamily="18" charset="0"/>
+                  <a:cs typeface="Times New Roman" panose="02020603050405020304" pitchFamily="18" charset="0"/>
+                </a:rPr>
+                <a:t>Sensor</a:t>
+              </a:r>
+              <a:endParaRPr lang="en-US" dirty="0">
+                <a:solidFill>
+                  <a:schemeClr val="tx1">
+                    <a:lumMod val="75000"/>
+                    <a:lumOff val="25000"/>
+                  </a:schemeClr>
+                </a:solidFill>
+                <a:latin typeface="Times New Roman" panose="02020603050405020304" pitchFamily="18" charset="0"/>
+                <a:cs typeface="Times New Roman" panose="02020603050405020304" pitchFamily="18" charset="0"/>
+              </a:endParaRPr>
+            </a:p>
+          </p:txBody>
+        </p:sp>
+        <p:pic>
+          <p:nvPicPr>
+            <p:cNvPr id="10" name="lens"/>
+            <p:cNvPicPr>
+              <a:picLocks noChangeAspect="1"/>
+            </p:cNvPicPr>
+            <p:nvPr/>
+          </p:nvPicPr>
+          <p:blipFill>
+            <a:blip r:embed="rId4" cstate="print">
+              <a:extLst>
+                <a:ext uri="{28A0092B-C50C-407E-A947-70E740481C1C}">
+                  <a14:useLocalDpi xmlns:a14="http://schemas.microsoft.com/office/drawing/2010/main" val="0"/>
+                </a:ext>
+              </a:extLst>
+            </a:blip>
+            <a:stretch>
+              <a:fillRect/>
+            </a:stretch>
+          </p:blipFill>
+          <p:spPr>
+            <a:xfrm rot="20760000">
+              <a:off x="9339656" y="2481145"/>
+              <a:ext cx="862487" cy="623485"/>
+            </a:xfrm>
+            <a:prstGeom prst="rect">
+              <a:avLst/>
+            </a:prstGeom>
+            <a:effectLst>
+              <a:outerShdw blurRad="50800" dist="38100" dir="5400000" algn="ctr" rotWithShape="0">
+                <a:srgbClr val="000000">
+                  <a:alpha val="95000"/>
+                </a:srgbClr>
+              </a:outerShdw>
+            </a:effectLst>
+          </p:spPr>
+        </p:pic>
+        <p:cxnSp>
+          <p:nvCxnSpPr>
+            <p:cNvPr id="11" name="Straight Connector 10"/>
+            <p:cNvCxnSpPr>
+              <a:cxnSpLocks noChangeAspect="1"/>
+            </p:cNvCxnSpPr>
+            <p:nvPr/>
+          </p:nvCxnSpPr>
+          <p:spPr>
+            <a:xfrm rot="20940000" flipV="1">
+              <a:off x="7732867" y="2901966"/>
+              <a:ext cx="2617170" cy="137160"/>
+            </a:xfrm>
+            <a:prstGeom prst="line">
+              <a:avLst/>
+            </a:prstGeom>
+            <a:ln w="19050" cap="rnd">
+              <a:solidFill>
+                <a:srgbClr val="FF6600"/>
+              </a:solidFill>
+              <a:prstDash val="dash"/>
+              <a:round/>
+            </a:ln>
+          </p:spPr>
+          <p:style>
+            <a:lnRef idx="1">
+              <a:schemeClr val="accent1"/>
+            </a:lnRef>
+            <a:fillRef idx="0">
+              <a:schemeClr val="accent1"/>
+            </a:fillRef>
+            <a:effectRef idx="0">
+              <a:schemeClr val="accent1"/>
+            </a:effectRef>
+            <a:fontRef idx="minor">
+              <a:schemeClr val="tx1"/>
+            </a:fontRef>
+          </p:style>
+        </p:cxnSp>
+        <p:sp>
+          <p:nvSpPr>
+            <p:cNvPr id="12" name="Oval 11"/>
+            <p:cNvSpPr/>
+            <p:nvPr/>
+          </p:nvSpPr>
+          <p:spPr>
+            <a:xfrm rot="21360000">
+              <a:off x="9940300" y="2716361"/>
+              <a:ext cx="54864" cy="54864"/>
+            </a:xfrm>
+            <a:prstGeom prst="ellipse">
+              <a:avLst/>
+            </a:prstGeom>
+            <a:solidFill>
+              <a:srgbClr val="FFFF00"/>
+            </a:solidFill>
+            <a:ln w="6350">
+              <a:solidFill>
+                <a:schemeClr val="tx1">
+                  <a:lumMod val="85000"/>
+                  <a:lumOff val="15000"/>
+                </a:schemeClr>
+              </a:solidFill>
+            </a:ln>
+          </p:spPr>
+          <p:style>
+            <a:lnRef idx="2">
+              <a:schemeClr val="accent1">
+                <a:shade val="50000"/>
+              </a:schemeClr>
+            </a:lnRef>
+            <a:fillRef idx="1">
+              <a:schemeClr val="accent1"/>
+            </a:fillRef>
+            <a:effectRef idx="0">
+              <a:schemeClr val="accent1"/>
+            </a:effectRef>
+            <a:fontRef idx="minor">
+              <a:schemeClr val="lt1"/>
+            </a:fontRef>
+          </p:style>
+          <p:txBody>
+            <a:bodyPr rtlCol="0" anchor="ctr"/>
+            <a:lstStyle/>
+            <a:p>
+              <a:pPr algn="ctr"/>
+              <a:endParaRPr lang="en-US" sz="1100"/>
+            </a:p>
+          </p:txBody>
+        </p:sp>
+        <p:cxnSp>
+          <p:nvCxnSpPr>
+            <p:cNvPr id="13" name="Straight Connector 12"/>
+            <p:cNvCxnSpPr/>
+            <p:nvPr/>
+          </p:nvCxnSpPr>
+          <p:spPr>
+            <a:xfrm>
+              <a:off x="10286824" y="1702213"/>
+              <a:ext cx="0" cy="3413901"/>
+            </a:xfrm>
+            <a:prstGeom prst="line">
+              <a:avLst/>
+            </a:prstGeom>
+            <a:ln w="19050">
+              <a:solidFill>
+                <a:srgbClr val="00FF99"/>
+              </a:solidFill>
+              <a:prstDash val="dash"/>
+            </a:ln>
+          </p:spPr>
+          <p:style>
+            <a:lnRef idx="1">
+              <a:schemeClr val="accent1"/>
+            </a:lnRef>
+            <a:fillRef idx="0">
+              <a:schemeClr val="accent1"/>
+            </a:fillRef>
+            <a:effectRef idx="0">
+              <a:schemeClr val="accent1"/>
+            </a:effectRef>
+            <a:fontRef idx="minor">
+              <a:schemeClr val="tx1"/>
+            </a:fontRef>
+          </p:style>
+        </p:cxnSp>
+        <p:cxnSp>
+          <p:nvCxnSpPr>
+            <p:cNvPr id="14" name="Straight Connector 13"/>
+            <p:cNvCxnSpPr/>
+            <p:nvPr/>
+          </p:nvCxnSpPr>
+          <p:spPr>
+            <a:xfrm>
+              <a:off x="10291996" y="2223849"/>
+              <a:ext cx="0" cy="1043769"/>
+            </a:xfrm>
+            <a:prstGeom prst="line">
+              <a:avLst/>
+            </a:prstGeom>
+            <a:ln w="44450" cap="rnd">
+              <a:solidFill>
+                <a:srgbClr val="777777"/>
+              </a:solidFill>
+              <a:round/>
+            </a:ln>
+            <a:effectLst>
+              <a:outerShdw blurRad="50800" dist="38100" dir="2700000" algn="tl" rotWithShape="0">
+                <a:prstClr val="black">
+                  <a:alpha val="40000"/>
+                </a:prstClr>
+              </a:outerShdw>
+            </a:effectLst>
+          </p:spPr>
+          <p:style>
+            <a:lnRef idx="1">
+              <a:schemeClr val="accent1"/>
+            </a:lnRef>
+            <a:fillRef idx="0">
+              <a:schemeClr val="accent1"/>
+            </a:fillRef>
+            <a:effectRef idx="0">
+              <a:schemeClr val="accent1"/>
+            </a:effectRef>
+            <a:fontRef idx="minor">
+              <a:schemeClr val="tx1"/>
+            </a:fontRef>
+          </p:style>
+        </p:cxnSp>
+        <p:sp>
+          <p:nvSpPr>
+            <p:cNvPr id="15" name="Oval 14"/>
+            <p:cNvSpPr/>
+            <p:nvPr/>
+          </p:nvSpPr>
+          <p:spPr>
+            <a:xfrm>
+              <a:off x="10268206" y="2718923"/>
+              <a:ext cx="54864" cy="54864"/>
+            </a:xfrm>
+            <a:prstGeom prst="ellipse">
+              <a:avLst/>
+            </a:prstGeom>
+            <a:solidFill>
+              <a:srgbClr val="FFFF00"/>
+            </a:solidFill>
+            <a:ln w="6350">
+              <a:solidFill>
+                <a:schemeClr val="tx1">
+                  <a:lumMod val="85000"/>
+                  <a:lumOff val="15000"/>
+                </a:schemeClr>
+              </a:solidFill>
+            </a:ln>
+          </p:spPr>
+          <p:style>
+            <a:lnRef idx="2">
+              <a:schemeClr val="accent1">
+                <a:shade val="50000"/>
+              </a:schemeClr>
+            </a:lnRef>
+            <a:fillRef idx="1">
+              <a:schemeClr val="accent1"/>
+            </a:fillRef>
+            <a:effectRef idx="0">
+              <a:schemeClr val="accent1"/>
+            </a:effectRef>
+            <a:fontRef idx="minor">
+              <a:schemeClr val="lt1"/>
+            </a:fontRef>
+          </p:style>
+          <p:txBody>
+            <a:bodyPr rtlCol="0" anchor="ctr"/>
+            <a:lstStyle/>
+            <a:p>
+              <a:pPr algn="ctr"/>
+              <a:endParaRPr lang="en-US" sz="1100"/>
+            </a:p>
+          </p:txBody>
+        </p:sp>
+        <p:sp>
+          <p:nvSpPr>
+            <p:cNvPr id="16" name="Freeform: Shape 15"/>
+            <p:cNvSpPr/>
+            <p:nvPr/>
+          </p:nvSpPr>
+          <p:spPr>
+            <a:xfrm>
+              <a:off x="1725987" y="1862538"/>
+              <a:ext cx="7842250" cy="2012950"/>
+            </a:xfrm>
+            <a:custGeom>
+              <a:avLst/>
+              <a:gdLst>
+                <a:gd name="connsiteX0" fmla="*/ 7842250 w 7842250"/>
+                <a:gd name="connsiteY0" fmla="*/ 2012950 h 2012950"/>
+                <a:gd name="connsiteX1" fmla="*/ 6350 w 7842250"/>
+                <a:gd name="connsiteY1" fmla="*/ 520700 h 2012950"/>
+                <a:gd name="connsiteX2" fmla="*/ 0 w 7842250"/>
+                <a:gd name="connsiteY2" fmla="*/ 0 h 2012950"/>
+                <a:gd name="connsiteX3" fmla="*/ 7842250 w 7842250"/>
+                <a:gd name="connsiteY3" fmla="*/ 2012950 h 2012950"/>
+              </a:gdLst>
+              <a:ahLst/>
+              <a:cxnLst>
+                <a:cxn ang="0">
+                  <a:pos x="connsiteX0" y="connsiteY0"/>
+                </a:cxn>
+                <a:cxn ang="0">
+                  <a:pos x="connsiteX1" y="connsiteY1"/>
+                </a:cxn>
+                <a:cxn ang="0">
+                  <a:pos x="connsiteX2" y="connsiteY2"/>
+                </a:cxn>
+                <a:cxn ang="0">
+                  <a:pos x="connsiteX3" y="connsiteY3"/>
+                </a:cxn>
+              </a:cxnLst>
+              <a:rect l="l" t="t" r="r" b="b"/>
+              <a:pathLst>
+                <a:path w="7842250" h="2012950">
+                  <a:moveTo>
+                    <a:pt x="7842250" y="2012950"/>
+                  </a:moveTo>
+                  <a:lnTo>
+                    <a:pt x="6350" y="520700"/>
+                  </a:lnTo>
+                  <a:cubicBezTo>
+                    <a:pt x="4233" y="347133"/>
+                    <a:pt x="2117" y="173567"/>
+                    <a:pt x="0" y="0"/>
+                  </a:cubicBezTo>
+                  <a:lnTo>
+                    <a:pt x="7842250" y="2012950"/>
+                  </a:lnTo>
+                  <a:close/>
+                </a:path>
+              </a:pathLst>
+            </a:custGeom>
+            <a:solidFill>
+              <a:schemeClr val="bg2">
+                <a:lumMod val="50000"/>
+                <a:alpha val="18000"/>
+              </a:schemeClr>
+            </a:solidFill>
+            <a:ln>
+              <a:noFill/>
+            </a:ln>
+          </p:spPr>
+          <p:style>
+            <a:lnRef idx="2">
+              <a:schemeClr val="accent1">
+                <a:shade val="50000"/>
+              </a:schemeClr>
+            </a:lnRef>
+            <a:fillRef idx="1">
+              <a:schemeClr val="accent1"/>
+            </a:fillRef>
+            <a:effectRef idx="0">
+              <a:schemeClr val="accent1"/>
+            </a:effectRef>
+            <a:fontRef idx="minor">
+              <a:schemeClr val="lt1"/>
+            </a:fontRef>
+          </p:style>
+          <p:txBody>
+            <a:bodyPr rtlCol="0" anchor="ctr"/>
+            <a:lstStyle/>
+            <a:p>
+              <a:pPr algn="ctr"/>
+              <a:endParaRPr lang="en-US" sz="1100"/>
+            </a:p>
+          </p:txBody>
+        </p:sp>
+        <p:cxnSp>
+          <p:nvCxnSpPr>
+            <p:cNvPr id="17" name="dof_ext2"/>
+            <p:cNvCxnSpPr/>
+            <p:nvPr/>
+          </p:nvCxnSpPr>
+          <p:spPr>
+            <a:xfrm>
+              <a:off x="1736462" y="2386077"/>
+              <a:ext cx="8472419" cy="1619586"/>
+            </a:xfrm>
+            <a:prstGeom prst="line">
+              <a:avLst/>
+            </a:prstGeom>
+            <a:ln w="15875" cap="rnd">
+              <a:solidFill>
+                <a:schemeClr val="tx1">
+                  <a:lumMod val="50000"/>
+                  <a:lumOff val="50000"/>
+                  <a:alpha val="88000"/>
+                </a:schemeClr>
+              </a:solidFill>
+              <a:prstDash val="dash"/>
+            </a:ln>
+          </p:spPr>
+          <p:style>
+            <a:lnRef idx="1">
+              <a:schemeClr val="accent1"/>
+            </a:lnRef>
+            <a:fillRef idx="0">
+              <a:schemeClr val="accent1"/>
+            </a:fillRef>
+            <a:effectRef idx="0">
+              <a:schemeClr val="accent1"/>
+            </a:effectRef>
+            <a:fontRef idx="minor">
+              <a:schemeClr val="tx1"/>
+            </a:fontRef>
+          </p:style>
+        </p:cxnSp>
+        <p:cxnSp>
+          <p:nvCxnSpPr>
+            <p:cNvPr id="18" name="dof_ext1"/>
+            <p:cNvCxnSpPr/>
+            <p:nvPr/>
+          </p:nvCxnSpPr>
+          <p:spPr>
+            <a:xfrm>
+              <a:off x="1736462" y="1869810"/>
+              <a:ext cx="8594339" cy="2187143"/>
+            </a:xfrm>
+            <a:prstGeom prst="line">
+              <a:avLst/>
+            </a:prstGeom>
+            <a:ln w="15875" cap="rnd">
+              <a:solidFill>
+                <a:schemeClr val="tx1">
+                  <a:lumMod val="50000"/>
+                  <a:lumOff val="50000"/>
+                  <a:alpha val="88000"/>
+                </a:schemeClr>
+              </a:solidFill>
+              <a:prstDash val="dash"/>
+            </a:ln>
+          </p:spPr>
+          <p:style>
+            <a:lnRef idx="1">
+              <a:schemeClr val="accent1"/>
+            </a:lnRef>
+            <a:fillRef idx="0">
+              <a:schemeClr val="accent1"/>
+            </a:fillRef>
+            <a:effectRef idx="0">
+              <a:schemeClr val="accent1"/>
+            </a:effectRef>
+            <a:fontRef idx="minor">
+              <a:schemeClr val="tx1"/>
+            </a:fontRef>
+          </p:style>
+        </p:cxnSp>
+        <p:cxnSp>
+          <p:nvCxnSpPr>
+            <p:cNvPr id="19" name="Posf"/>
+            <p:cNvCxnSpPr/>
+            <p:nvPr/>
+          </p:nvCxnSpPr>
+          <p:spPr>
+            <a:xfrm>
+              <a:off x="1737778" y="2131719"/>
+              <a:ext cx="8582560" cy="1913023"/>
+            </a:xfrm>
+            <a:prstGeom prst="line">
+              <a:avLst/>
+            </a:prstGeom>
+            <a:ln w="19050">
+              <a:solidFill>
+                <a:srgbClr val="00FF99"/>
+              </a:solidFill>
+              <a:prstDash val="dash"/>
+            </a:ln>
+          </p:spPr>
+          <p:style>
+            <a:lnRef idx="1">
+              <a:schemeClr val="accent1"/>
+            </a:lnRef>
+            <a:fillRef idx="0">
+              <a:schemeClr val="accent1"/>
+            </a:fillRef>
+            <a:effectRef idx="0">
+              <a:schemeClr val="accent1"/>
+            </a:effectRef>
+            <a:fontRef idx="minor">
+              <a:schemeClr val="tx1"/>
+            </a:fontRef>
+          </p:style>
+        </p:cxnSp>
+        <p:sp>
+          <p:nvSpPr>
+            <p:cNvPr id="20" name="Arc 19"/>
+            <p:cNvSpPr/>
+            <p:nvPr/>
+          </p:nvSpPr>
+          <p:spPr>
+            <a:xfrm>
+              <a:off x="4202039" y="1670018"/>
+              <a:ext cx="1138953" cy="1138952"/>
+            </a:xfrm>
+            <a:prstGeom prst="arc">
+              <a:avLst>
+                <a:gd name="adj1" fmla="val 8162486"/>
+                <a:gd name="adj2" fmla="val 11693245"/>
+              </a:avLst>
+            </a:prstGeom>
+            <a:ln w="9525">
+              <a:solidFill>
+                <a:schemeClr val="tx1">
+                  <a:lumMod val="65000"/>
+                  <a:lumOff val="35000"/>
+                </a:schemeClr>
+              </a:solidFill>
+              <a:headEnd type="triangle" w="sm" len="med"/>
+              <a:tailEnd type="none"/>
+            </a:ln>
+          </p:spPr>
+          <p:style>
+            <a:lnRef idx="1">
+              <a:schemeClr val="accent1"/>
+            </a:lnRef>
+            <a:fillRef idx="0">
+              <a:schemeClr val="accent1"/>
+            </a:fillRef>
+            <a:effectRef idx="0">
+              <a:schemeClr val="accent1"/>
+            </a:effectRef>
+            <a:fontRef idx="minor">
+              <a:schemeClr val="tx1"/>
+            </a:fontRef>
+          </p:style>
+          <p:txBody>
+            <a:bodyPr rtlCol="0" anchor="ctr"/>
+            <a:lstStyle/>
+            <a:p>
+              <a:pPr algn="ctr"/>
+              <a:endParaRPr lang="en-US"/>
+            </a:p>
+          </p:txBody>
+        </p:sp>
+        <p:sp>
+          <p:nvSpPr>
+            <p:cNvPr id="21" name="Arc 20"/>
+            <p:cNvSpPr/>
+            <p:nvPr/>
+          </p:nvSpPr>
+          <p:spPr>
+            <a:xfrm flipH="1">
+              <a:off x="4732684" y="2001484"/>
+              <a:ext cx="1791797" cy="2256539"/>
+            </a:xfrm>
+            <a:prstGeom prst="arc">
+              <a:avLst>
+                <a:gd name="adj1" fmla="val 20437038"/>
+                <a:gd name="adj2" fmla="val 2790707"/>
+              </a:avLst>
+            </a:prstGeom>
+            <a:ln w="9525">
+              <a:solidFill>
+                <a:schemeClr val="tx1">
+                  <a:lumMod val="65000"/>
+                  <a:lumOff val="35000"/>
+                </a:schemeClr>
+              </a:solidFill>
+              <a:headEnd type="triangle" w="sm" len="med"/>
+              <a:tailEnd type="none"/>
+            </a:ln>
+          </p:spPr>
+          <p:style>
+            <a:lnRef idx="1">
+              <a:schemeClr val="accent1"/>
+            </a:lnRef>
+            <a:fillRef idx="0">
+              <a:schemeClr val="accent1"/>
+            </a:fillRef>
+            <a:effectRef idx="0">
+              <a:schemeClr val="accent1"/>
+            </a:effectRef>
+            <a:fontRef idx="minor">
+              <a:schemeClr val="tx1"/>
+            </a:fontRef>
+          </p:style>
+          <p:txBody>
+            <a:bodyPr rtlCol="0" anchor="ctr"/>
+            <a:lstStyle/>
+            <a:p>
+              <a:pPr algn="ctr"/>
+              <a:endParaRPr lang="en-US"/>
+            </a:p>
+          </p:txBody>
+        </p:sp>
+        <p:grpSp>
+          <p:nvGrpSpPr>
+            <p:cNvPr id="22" name="Dof arc"/>
+            <p:cNvGrpSpPr/>
+            <p:nvPr/>
+          </p:nvGrpSpPr>
+          <p:grpSpPr>
+            <a:xfrm>
+              <a:off x="4268753" y="2004346"/>
+              <a:ext cx="2093551" cy="2263517"/>
+              <a:chOff x="4212816" y="2370658"/>
+              <a:chExt cx="2093551" cy="2263517"/>
+            </a:xfrm>
+          </p:grpSpPr>
+          <p:sp>
+            <p:nvSpPr>
+              <p:cNvPr id="24" name="Arc 53 _ dof"/>
+              <p:cNvSpPr/>
+              <p:nvPr/>
+            </p:nvSpPr>
+            <p:spPr>
+              <a:xfrm rot="1012374">
+                <a:off x="4267609" y="2370658"/>
+                <a:ext cx="2038758" cy="2263517"/>
+              </a:xfrm>
+              <a:prstGeom prst="arc">
+                <a:avLst>
+                  <a:gd name="adj1" fmla="val 10645685"/>
+                  <a:gd name="adj2" fmla="val 11800624"/>
+                </a:avLst>
+              </a:prstGeom>
+              <a:ln w="15875">
+                <a:solidFill>
+                  <a:schemeClr val="tx1">
+                    <a:lumMod val="85000"/>
+                    <a:lumOff val="15000"/>
+                  </a:schemeClr>
+                </a:solidFill>
+                <a:headEnd type="arrow" w="med" len="lg"/>
+                <a:tailEnd type="arrow" w="med" len="lg"/>
+              </a:ln>
+            </p:spPr>
+            <p:style>
+              <a:lnRef idx="1">
+                <a:schemeClr val="dk1"/>
+              </a:lnRef>
+              <a:fillRef idx="0">
+                <a:schemeClr val="dk1"/>
+              </a:fillRef>
+              <a:effectRef idx="0">
+                <a:schemeClr val="dk1"/>
+              </a:effectRef>
+              <a:fontRef idx="minor">
+                <a:schemeClr val="tx1"/>
+              </a:fontRef>
+            </p:style>
+            <p:txBody>
+              <a:bodyPr rtlCol="0" anchor="ctr"/>
+              <a:lstStyle/>
+              <a:p>
+                <a:pPr algn="ctr"/>
+                <a:endParaRPr lang="en-US"/>
+              </a:p>
+            </p:txBody>
+          </p:sp>
+          <p:cxnSp>
+            <p:nvCxnSpPr>
+              <p:cNvPr id="25" name="Straight Connector 24"/>
+              <p:cNvCxnSpPr>
+                <a:cxnSpLocks/>
+              </p:cNvCxnSpPr>
+              <p:nvPr/>
+            </p:nvCxnSpPr>
+            <p:spPr>
+              <a:xfrm rot="6360000">
+                <a:off x="4434606" y="2851608"/>
+                <a:ext cx="0" cy="175037"/>
+              </a:xfrm>
+              <a:prstGeom prst="line">
+                <a:avLst/>
+              </a:prstGeom>
+              <a:ln w="15875">
+                <a:solidFill>
+                  <a:schemeClr val="tx1">
+                    <a:lumMod val="85000"/>
+                    <a:lumOff val="15000"/>
+                  </a:schemeClr>
+                </a:solidFill>
+                <a:prstDash val="solid"/>
+                <a:headEnd type="none" w="med" len="med"/>
+                <a:tailEnd type="none" w="med" len="med"/>
+              </a:ln>
+            </p:spPr>
+            <p:style>
+              <a:lnRef idx="1">
+                <a:schemeClr val="accent1"/>
+              </a:lnRef>
+              <a:fillRef idx="0">
+                <a:schemeClr val="accent1"/>
+              </a:fillRef>
+              <a:effectRef idx="0">
+                <a:schemeClr val="accent1"/>
+              </a:effectRef>
+              <a:fontRef idx="minor">
+                <a:schemeClr val="tx1"/>
+              </a:fontRef>
+            </p:style>
+          </p:cxnSp>
+          <p:cxnSp>
+            <p:nvCxnSpPr>
+              <p:cNvPr id="26" name="Straight Connector 25"/>
+              <p:cNvCxnSpPr>
+                <a:cxnSpLocks/>
+              </p:cNvCxnSpPr>
+              <p:nvPr/>
+            </p:nvCxnSpPr>
+            <p:spPr>
+              <a:xfrm rot="6060000">
+                <a:off x="4300335" y="3167633"/>
+                <a:ext cx="0" cy="175037"/>
+              </a:xfrm>
+              <a:prstGeom prst="line">
+                <a:avLst/>
+              </a:prstGeom>
+              <a:ln w="15875">
+                <a:solidFill>
+                  <a:schemeClr val="tx1">
+                    <a:lumMod val="85000"/>
+                    <a:lumOff val="15000"/>
+                  </a:schemeClr>
+                </a:solidFill>
+                <a:prstDash val="solid"/>
+                <a:headEnd type="none" w="med" len="med"/>
+                <a:tailEnd type="none" w="med" len="med"/>
+              </a:ln>
+            </p:spPr>
+            <p:style>
+              <a:lnRef idx="1">
+                <a:schemeClr val="accent1"/>
+              </a:lnRef>
+              <a:fillRef idx="0">
+                <a:schemeClr val="accent1"/>
+              </a:fillRef>
+              <a:effectRef idx="0">
+                <a:schemeClr val="accent1"/>
+              </a:effectRef>
+              <a:fontRef idx="minor">
+                <a:schemeClr val="tx1"/>
+              </a:fontRef>
+            </p:style>
+          </p:cxnSp>
+        </p:grpSp>
+        <p:sp>
+          <p:nvSpPr>
+            <p:cNvPr id="23" name="Arc 22"/>
+            <p:cNvSpPr/>
+            <p:nvPr/>
+          </p:nvSpPr>
+          <p:spPr>
+            <a:xfrm>
+              <a:off x="9312653" y="2041344"/>
+              <a:ext cx="1138953" cy="1138952"/>
+            </a:xfrm>
+            <a:prstGeom prst="arc">
+              <a:avLst>
+                <a:gd name="adj1" fmla="val 16459473"/>
+                <a:gd name="adj2" fmla="val 18802953"/>
+              </a:avLst>
+            </a:prstGeom>
+            <a:ln w="9525">
+              <a:solidFill>
+                <a:schemeClr val="tx1">
+                  <a:lumMod val="65000"/>
+                  <a:lumOff val="35000"/>
+                </a:schemeClr>
+              </a:solidFill>
+              <a:headEnd type="none" w="sm" len="med"/>
+              <a:tailEnd type="triangle" w="sm" len="med"/>
+            </a:ln>
+          </p:spPr>
+          <p:style>
+            <a:lnRef idx="1">
+              <a:schemeClr val="accent1"/>
+            </a:lnRef>
+            <a:fillRef idx="0">
+              <a:schemeClr val="accent1"/>
+            </a:fillRef>
+            <a:effectRef idx="0">
+              <a:schemeClr val="accent1"/>
+            </a:effectRef>
+            <a:fontRef idx="minor">
+              <a:schemeClr val="tx1"/>
+            </a:fontRef>
+          </p:style>
+          <p:txBody>
+            <a:bodyPr rtlCol="0" anchor="ctr"/>
+            <a:lstStyle/>
+            <a:p>
+              <a:pPr algn="ctr"/>
+              <a:endParaRPr lang="en-US"/>
+            </a:p>
+          </p:txBody>
+        </p:sp>
+      </p:grpSp>
+    </p:spTree>
+    <p:extLst>
+      <p:ext uri="{BB962C8B-B14F-4D97-AF65-F5344CB8AC3E}">
+        <p14:creationId xmlns:p14="http://schemas.microsoft.com/office/powerpoint/2010/main" val="2821673824"/>
+      </p:ext>
+    </p:extLst>
+  </p:cSld>
+  <p:clrMapOvr>
+    <a:masterClrMapping/>
+  </p:clrMapOvr>
+</p:sld>
+</file>
+
+<file path=ppt/slides/slide6.xml><?xml version="1.0" encoding="utf-8"?>
+<p:sld xmlns:a="http://schemas.openxmlformats.org/drawingml/2006/main" xmlns:r="http://schemas.openxmlformats.org/officeDocument/2006/relationships" xmlns:p="http://schemas.openxmlformats.org/presentationml/2006/main">
+  <p:cSld>
+    <p:spTree>
+      <p:nvGrpSpPr>
+        <p:cNvPr id="1" name=""/>
+        <p:cNvGrpSpPr/>
+        <p:nvPr/>
+      </p:nvGrpSpPr>
+      <p:grpSpPr>
+        <a:xfrm>
+          <a:off x="0" y="0"/>
+          <a:ext cx="0" cy="0"/>
+          <a:chOff x="0" y="0"/>
+          <a:chExt cx="0" cy="0"/>
+        </a:xfrm>
+      </p:grpSpPr>
       <p:sp>
         <p:nvSpPr>
           <p:cNvPr id="2" name="TextBox 1"/>
@@ -7837,7 +10333,7 @@
 </p:sld>
 </file>
 
-<file path=ppt/slides/slide5.xml><?xml version="1.0" encoding="utf-8"?>
+<file path=ppt/slides/slide7.xml><?xml version="1.0" encoding="utf-8"?>
 <p:sld xmlns:a="http://schemas.openxmlformats.org/drawingml/2006/main" xmlns:r="http://schemas.openxmlformats.org/officeDocument/2006/relationships" xmlns:p="http://schemas.openxmlformats.org/presentationml/2006/main">
   <p:cSld>
     <p:spTree>
@@ -9806,20 +12302,7 @@
                 <a:latin typeface="Times New Roman" panose="02020603050405020304" pitchFamily="18" charset="0"/>
                 <a:cs typeface="Times New Roman" panose="02020603050405020304" pitchFamily="18" charset="0"/>
               </a:rPr>
-              <a:t>[</a:t>
-            </a:r>
-            <a:r>
-              <a:rPr lang="en-US" sz="1400">
-                <a:solidFill>
-                  <a:schemeClr val="tx1">
-                    <a:lumMod val="75000"/>
-                    <a:lumOff val="25000"/>
-                  </a:schemeClr>
-                </a:solidFill>
-                <a:latin typeface="Times New Roman" panose="02020603050405020304" pitchFamily="18" charset="0"/>
-                <a:cs typeface="Times New Roman" panose="02020603050405020304" pitchFamily="18" charset="0"/>
-              </a:rPr>
-              <a:t>Merklinger, H. M. (1996). Focusing the view camera.]</a:t>
+              <a:t>[Merklinger, H. M. (1996). Focusing the view camera.]</a:t>
             </a:r>
           </a:p>
         </p:txBody>
